--- a/slides-2.pptx
+++ b/slides-2.pptx
@@ -5,12 +5,17 @@
     <p:sldMasterId id="2147483648" r:id="rId1"/>
   </p:sldMasterIdLst>
   <p:notesMasterIdLst>
-    <p:notesMasterId r:id="rId5"/>
+    <p:notesMasterId r:id="rId10"/>
   </p:notesMasterIdLst>
   <p:sldIdLst>
     <p:sldId id="257" r:id="rId2"/>
-    <p:sldId id="259" r:id="rId3"/>
-    <p:sldId id="258" r:id="rId4"/>
+    <p:sldId id="260" r:id="rId3"/>
+    <p:sldId id="261" r:id="rId4"/>
+    <p:sldId id="262" r:id="rId5"/>
+    <p:sldId id="264" r:id="rId6"/>
+    <p:sldId id="263" r:id="rId7"/>
+    <p:sldId id="259" r:id="rId8"/>
+    <p:sldId id="258" r:id="rId9"/>
   </p:sldIdLst>
   <p:sldSz cx="9144000" cy="6858000" type="screen4x3"/>
   <p:notesSz cx="6858000" cy="9144000"/>
@@ -508,6 +513,138 @@
           <a:p>
             <a:r>
               <a:rPr lang="en-US" dirty="0" err="1" smtClean="0"/>
+              <a:t>sysctl</a:t>
+            </a:r>
+            <a:r>
+              <a:rPr lang="en-US" dirty="0" smtClean="0"/>
+              <a:t> </a:t>
+            </a:r>
+            <a:r>
+              <a:rPr lang="en-US" dirty="0" err="1" smtClean="0"/>
+              <a:t>kernel.randomize_va_space</a:t>
+            </a:r>
+            <a:endParaRPr lang="en-US" dirty="0" smtClean="0"/>
+          </a:p>
+          <a:p>
+            <a:r>
+              <a:rPr lang="en-US" dirty="0" smtClean="0"/>
+              <a:t>watch cat /</a:t>
+            </a:r>
+            <a:r>
+              <a:rPr lang="en-US" dirty="0" err="1" smtClean="0"/>
+              <a:t>proc</a:t>
+            </a:r>
+            <a:r>
+              <a:rPr lang="en-US" dirty="0" smtClean="0"/>
+              <a:t>/self/maps</a:t>
+            </a:r>
+          </a:p>
+          <a:p>
+            <a:r>
+              <a:rPr lang="en-US" dirty="0" smtClean="0"/>
+              <a:t>http://</a:t>
+            </a:r>
+            <a:r>
+              <a:rPr lang="en-US" dirty="0" err="1" smtClean="0"/>
+              <a:t>www.trapkit.de</a:t>
+            </a:r>
+            <a:r>
+              <a:rPr lang="en-US" dirty="0" smtClean="0"/>
+              <a:t>/tools/</a:t>
+            </a:r>
+            <a:r>
+              <a:rPr lang="en-US" dirty="0" err="1" smtClean="0"/>
+              <a:t>checksec.sh</a:t>
+            </a:r>
+            <a:endParaRPr lang="en-US" dirty="0" smtClean="0"/>
+          </a:p>
+          <a:p>
+            <a:endParaRPr lang="en-US" dirty="0"/>
+          </a:p>
+        </p:txBody>
+      </p:sp>
+      <p:sp>
+        <p:nvSpPr>
+          <p:cNvPr id="4" name="Slide Number Placeholder 3"/>
+          <p:cNvSpPr>
+            <a:spLocks noGrp="1"/>
+          </p:cNvSpPr>
+          <p:nvPr>
+            <p:ph type="sldNum" sz="quarter" idx="10"/>
+          </p:nvPr>
+        </p:nvSpPr>
+        <p:spPr/>
+        <p:txBody>
+          <a:bodyPr/>
+          <a:lstStyle/>
+          <a:p>
+            <a:fld id="{F6068C0D-2674-E249-AF9A-1F78E01FEF53}" type="slidenum">
+              <a:rPr lang="en-US" smtClean="0"/>
+              <a:t>2</a:t>
+            </a:fld>
+            <a:endParaRPr lang="en-US"/>
+          </a:p>
+        </p:txBody>
+      </p:sp>
+    </p:spTree>
+    <p:extLst>
+      <p:ext uri="{BB962C8B-B14F-4D97-AF65-F5344CB8AC3E}">
+        <p14:creationId xmlns:p14="http://schemas.microsoft.com/office/powerpoint/2010/main" val="4095208384"/>
+      </p:ext>
+    </p:extLst>
+  </p:cSld>
+  <p:clrMapOvr>
+    <a:masterClrMapping/>
+  </p:clrMapOvr>
+</p:notes>
+</file>
+
+<file path=ppt/notesSlides/notesSlide2.xml><?xml version="1.0" encoding="utf-8"?>
+<p:notes xmlns:a="http://schemas.openxmlformats.org/drawingml/2006/main" xmlns:r="http://schemas.openxmlformats.org/officeDocument/2006/relationships" xmlns:p="http://schemas.openxmlformats.org/presentationml/2006/main">
+  <p:cSld>
+    <p:spTree>
+      <p:nvGrpSpPr>
+        <p:cNvPr id="1" name=""/>
+        <p:cNvGrpSpPr/>
+        <p:nvPr/>
+      </p:nvGrpSpPr>
+      <p:grpSpPr>
+        <a:xfrm>
+          <a:off x="0" y="0"/>
+          <a:ext cx="0" cy="0"/>
+          <a:chOff x="0" y="0"/>
+          <a:chExt cx="0" cy="0"/>
+        </a:xfrm>
+      </p:grpSpPr>
+      <p:sp>
+        <p:nvSpPr>
+          <p:cNvPr id="2" name="Slide Image Placeholder 1"/>
+          <p:cNvSpPr>
+            <a:spLocks noGrp="1" noRot="1" noChangeAspect="1"/>
+          </p:cNvSpPr>
+          <p:nvPr>
+            <p:ph type="sldImg"/>
+          </p:nvPr>
+        </p:nvSpPr>
+        <p:spPr/>
+      </p:sp>
+      <p:sp>
+        <p:nvSpPr>
+          <p:cNvPr id="3" name="Notes Placeholder 2"/>
+          <p:cNvSpPr>
+            <a:spLocks noGrp="1"/>
+          </p:cNvSpPr>
+          <p:nvPr>
+            <p:ph type="body" idx="1"/>
+          </p:nvPr>
+        </p:nvSpPr>
+        <p:spPr/>
+        <p:txBody>
+          <a:bodyPr/>
+          <a:lstStyle/>
+          <a:p>
+            <a:r>
+              <a:rPr lang="en-US" dirty="0" err="1" smtClean="0"/>
               <a:t>dpkg</a:t>
             </a:r>
             <a:r>
@@ -545,7 +682,7 @@
           <a:p>
             <a:fld id="{02D87739-F40B-3144-A7CF-A5D29BA4A57D}" type="slidenum">
               <a:rPr lang="en-US" smtClean="0"/>
-              <a:t>3</a:t>
+              <a:t>8</a:t>
             </a:fld>
             <a:endParaRPr lang="en-US"/>
           </a:p>
@@ -3652,10 +3789,31 @@
         </p:nvSpPr>
         <p:spPr/>
         <p:txBody>
-          <a:bodyPr/>
-          <a:lstStyle/>
-          <a:p>
-            <a:endParaRPr lang="en-US"/>
+          <a:bodyPr>
+            <a:normAutofit fontScale="90000"/>
+          </a:bodyPr>
+          <a:lstStyle/>
+          <a:p>
+            <a:r>
+              <a:rPr lang="en-US" dirty="0" smtClean="0"/>
+              <a:t>Bugs &amp; Exploitation</a:t>
+            </a:r>
+            <a:br>
+              <a:rPr lang="en-US" dirty="0" smtClean="0"/>
+            </a:br>
+            <a:r>
+              <a:rPr lang="en-US" dirty="0" smtClean="0"/>
+              <a:t>The </a:t>
+            </a:r>
+            <a:r>
+              <a:rPr lang="en-US" dirty="0"/>
+              <a:t>H</a:t>
+            </a:r>
+            <a:r>
+              <a:rPr lang="en-US" dirty="0" smtClean="0"/>
+              <a:t>arsh Truth</a:t>
+            </a:r>
+            <a:endParaRPr lang="en-US" dirty="0"/>
           </a:p>
         </p:txBody>
       </p:sp>
@@ -3669,12 +3827,533 @@
             <p:ph idx="1"/>
           </p:nvPr>
         </p:nvSpPr>
-        <p:spPr/>
-        <p:txBody>
-          <a:bodyPr/>
-          <a:lstStyle/>
-          <a:p>
-            <a:endParaRPr lang="en-US"/>
+        <p:spPr>
+          <a:xfrm>
+            <a:off x="457200" y="1600200"/>
+            <a:ext cx="8229600" cy="4948510"/>
+          </a:xfrm>
+        </p:spPr>
+        <p:txBody>
+          <a:bodyPr>
+            <a:normAutofit lnSpcReduction="10000"/>
+          </a:bodyPr>
+          <a:lstStyle/>
+          <a:p>
+            <a:r>
+              <a:rPr lang="en-US" dirty="0"/>
+              <a:t>The bug</a:t>
+            </a:r>
+          </a:p>
+          <a:p>
+            <a:endParaRPr lang="en-US" dirty="0" smtClean="0"/>
+          </a:p>
+          <a:p>
+            <a:r>
+              <a:rPr lang="en-US" dirty="0"/>
+              <a:t>DEP</a:t>
+            </a:r>
+          </a:p>
+          <a:p>
+            <a:r>
+              <a:rPr lang="en-US" dirty="0"/>
+              <a:t>ASLR &amp; PIE</a:t>
+            </a:r>
+          </a:p>
+          <a:p>
+            <a:endParaRPr lang="en-US" dirty="0" smtClean="0"/>
+          </a:p>
+          <a:p>
+            <a:r>
+              <a:rPr lang="en-US" dirty="0" smtClean="0"/>
+              <a:t>Then </a:t>
+            </a:r>
+            <a:r>
+              <a:rPr lang="en-US" dirty="0"/>
+              <a:t>what?</a:t>
+            </a:r>
+          </a:p>
+          <a:p>
+            <a:pPr lvl="1"/>
+            <a:r>
+              <a:rPr lang="en-US" dirty="0"/>
+              <a:t>What do we know?</a:t>
+            </a:r>
+          </a:p>
+          <a:p>
+            <a:pPr lvl="1"/>
+            <a:r>
+              <a:rPr lang="en-US" dirty="0"/>
+              <a:t>What do we need</a:t>
+            </a:r>
+            <a:r>
+              <a:rPr lang="en-US" dirty="0" smtClean="0"/>
+              <a:t>?</a:t>
+            </a:r>
+          </a:p>
+          <a:p>
+            <a:r>
+              <a:rPr lang="en-US" dirty="0" smtClean="0"/>
+              <a:t>The answer to all your problems</a:t>
+            </a:r>
+            <a:endParaRPr lang="en-US" dirty="0"/>
+          </a:p>
+          <a:p>
+            <a:endParaRPr lang="en-US" dirty="0" smtClean="0"/>
+          </a:p>
+          <a:p>
+            <a:endParaRPr lang="en-US" dirty="0"/>
+          </a:p>
+        </p:txBody>
+      </p:sp>
+    </p:spTree>
+    <p:extLst>
+      <p:ext uri="{BB962C8B-B14F-4D97-AF65-F5344CB8AC3E}">
+        <p14:creationId xmlns:p14="http://schemas.microsoft.com/office/powerpoint/2010/main" val="2313389349"/>
+      </p:ext>
+    </p:extLst>
+  </p:cSld>
+  <p:clrMapOvr>
+    <a:masterClrMapping/>
+  </p:clrMapOvr>
+</p:sld>
+</file>
+
+<file path=ppt/slides/slide3.xml><?xml version="1.0" encoding="utf-8"?>
+<p:sld xmlns:a="http://schemas.openxmlformats.org/drawingml/2006/main" xmlns:r="http://schemas.openxmlformats.org/officeDocument/2006/relationships" xmlns:p="http://schemas.openxmlformats.org/presentationml/2006/main">
+  <p:cSld>
+    <p:spTree>
+      <p:nvGrpSpPr>
+        <p:cNvPr id="1" name=""/>
+        <p:cNvGrpSpPr/>
+        <p:nvPr/>
+      </p:nvGrpSpPr>
+      <p:grpSpPr>
+        <a:xfrm>
+          <a:off x="0" y="0"/>
+          <a:ext cx="0" cy="0"/>
+          <a:chOff x="0" y="0"/>
+          <a:chExt cx="0" cy="0"/>
+        </a:xfrm>
+      </p:grpSpPr>
+      <p:sp>
+        <p:nvSpPr>
+          <p:cNvPr id="2" name="Title 1"/>
+          <p:cNvSpPr>
+            <a:spLocks noGrp="1"/>
+          </p:cNvSpPr>
+          <p:nvPr>
+            <p:ph type="title"/>
+          </p:nvPr>
+        </p:nvSpPr>
+        <p:spPr/>
+        <p:txBody>
+          <a:bodyPr/>
+          <a:lstStyle/>
+          <a:p>
+            <a:r>
+              <a:rPr lang="en-US" dirty="0" smtClean="0"/>
+              <a:t>NX bit (aka DEP)</a:t>
+            </a:r>
+            <a:endParaRPr lang="en-US" dirty="0"/>
+          </a:p>
+        </p:txBody>
+      </p:sp>
+      <p:sp>
+        <p:nvSpPr>
+          <p:cNvPr id="3" name="Content Placeholder 2"/>
+          <p:cNvSpPr>
+            <a:spLocks noGrp="1"/>
+          </p:cNvSpPr>
+          <p:nvPr>
+            <p:ph idx="1"/>
+          </p:nvPr>
+        </p:nvSpPr>
+        <p:spPr/>
+        <p:txBody>
+          <a:bodyPr/>
+          <a:lstStyle/>
+          <a:p>
+            <a:r>
+              <a:rPr lang="en-US" dirty="0" smtClean="0"/>
+              <a:t>Program segments, modes</a:t>
+            </a:r>
+          </a:p>
+          <a:p>
+            <a:r>
+              <a:rPr lang="en-US" dirty="0" smtClean="0"/>
+              <a:t>Stack is not executable</a:t>
+            </a:r>
+          </a:p>
+          <a:p>
+            <a:r>
+              <a:rPr lang="en-US" dirty="0" smtClean="0"/>
+              <a:t>Execute somewhere else</a:t>
+            </a:r>
+          </a:p>
+          <a:p>
+            <a:r>
+              <a:rPr lang="en-US" dirty="0" smtClean="0"/>
+              <a:t>Libs (“return-to-</a:t>
+            </a:r>
+            <a:r>
+              <a:rPr lang="en-US" dirty="0" err="1" smtClean="0"/>
+              <a:t>libc</a:t>
+            </a:r>
+            <a:r>
+              <a:rPr lang="en-US" dirty="0" smtClean="0"/>
+              <a:t>”), .text</a:t>
+            </a:r>
+          </a:p>
+          <a:p>
+            <a:r>
+              <a:rPr lang="en-US" dirty="0" smtClean="0"/>
+              <a:t>not just “</a:t>
+            </a:r>
+            <a:r>
+              <a:rPr lang="en-US" dirty="0" err="1" smtClean="0"/>
+              <a:t>jmp</a:t>
+            </a:r>
+            <a:r>
+              <a:rPr lang="en-US" dirty="0" smtClean="0"/>
+              <a:t> </a:t>
+            </a:r>
+            <a:r>
+              <a:rPr lang="en-US" dirty="0" err="1" smtClean="0"/>
+              <a:t>esp</a:t>
+            </a:r>
+            <a:r>
+              <a:rPr lang="en-US" dirty="0" smtClean="0"/>
+              <a:t>”</a:t>
+            </a:r>
+          </a:p>
+          <a:p>
+            <a:r>
+              <a:rPr lang="en-US" dirty="0" smtClean="0"/>
+              <a:t>How do you control it?</a:t>
+            </a:r>
+          </a:p>
+          <a:p>
+            <a:endParaRPr lang="en-US" dirty="0"/>
+          </a:p>
+        </p:txBody>
+      </p:sp>
+    </p:spTree>
+    <p:extLst>
+      <p:ext uri="{BB962C8B-B14F-4D97-AF65-F5344CB8AC3E}">
+        <p14:creationId xmlns:p14="http://schemas.microsoft.com/office/powerpoint/2010/main" val="3657491711"/>
+      </p:ext>
+    </p:extLst>
+  </p:cSld>
+  <p:clrMapOvr>
+    <a:masterClrMapping/>
+  </p:clrMapOvr>
+</p:sld>
+</file>
+
+<file path=ppt/slides/slide4.xml><?xml version="1.0" encoding="utf-8"?>
+<p:sld xmlns:a="http://schemas.openxmlformats.org/drawingml/2006/main" xmlns:r="http://schemas.openxmlformats.org/officeDocument/2006/relationships" xmlns:p="http://schemas.openxmlformats.org/presentationml/2006/main">
+  <p:cSld>
+    <p:spTree>
+      <p:nvGrpSpPr>
+        <p:cNvPr id="1" name=""/>
+        <p:cNvGrpSpPr/>
+        <p:nvPr/>
+      </p:nvGrpSpPr>
+      <p:grpSpPr>
+        <a:xfrm>
+          <a:off x="0" y="0"/>
+          <a:ext cx="0" cy="0"/>
+          <a:chOff x="0" y="0"/>
+          <a:chExt cx="0" cy="0"/>
+        </a:xfrm>
+      </p:grpSpPr>
+      <p:sp>
+        <p:nvSpPr>
+          <p:cNvPr id="2" name="Title 1"/>
+          <p:cNvSpPr>
+            <a:spLocks noGrp="1"/>
+          </p:cNvSpPr>
+          <p:nvPr>
+            <p:ph type="title"/>
+          </p:nvPr>
+        </p:nvSpPr>
+        <p:spPr/>
+        <p:txBody>
+          <a:bodyPr/>
+          <a:lstStyle/>
+          <a:p>
+            <a:r>
+              <a:rPr lang="en-US" dirty="0" smtClean="0"/>
+              <a:t>Return Oriented Programming</a:t>
+            </a:r>
+            <a:endParaRPr lang="en-US" dirty="0"/>
+          </a:p>
+        </p:txBody>
+      </p:sp>
+      <p:sp>
+        <p:nvSpPr>
+          <p:cNvPr id="3" name="Content Placeholder 2"/>
+          <p:cNvSpPr>
+            <a:spLocks noGrp="1"/>
+          </p:cNvSpPr>
+          <p:nvPr>
+            <p:ph idx="1"/>
+          </p:nvPr>
+        </p:nvSpPr>
+        <p:spPr/>
+        <p:txBody>
+          <a:bodyPr/>
+          <a:lstStyle/>
+          <a:p>
+            <a:r>
+              <a:rPr lang="en-US" dirty="0" smtClean="0"/>
+              <a:t>ret =&gt; pop </a:t>
+            </a:r>
+            <a:r>
+              <a:rPr lang="en-US" dirty="0" err="1" smtClean="0"/>
+              <a:t>eip</a:t>
+            </a:r>
+            <a:endParaRPr lang="en-US" dirty="0" smtClean="0"/>
+          </a:p>
+          <a:p>
+            <a:r>
+              <a:rPr lang="en-US" dirty="0" smtClean="0"/>
+              <a:t>A stack-controlled </a:t>
+            </a:r>
+            <a:r>
+              <a:rPr lang="en-US" dirty="0" err="1" smtClean="0"/>
+              <a:t>jmp</a:t>
+            </a:r>
+            <a:endParaRPr lang="en-US" dirty="0" smtClean="0"/>
+          </a:p>
+          <a:p>
+            <a:r>
+              <a:rPr lang="en-US" dirty="0" smtClean="0"/>
+              <a:t>A very common one (in x86)</a:t>
+            </a:r>
+          </a:p>
+          <a:p>
+            <a:endParaRPr lang="en-US" dirty="0"/>
+          </a:p>
+        </p:txBody>
+      </p:sp>
+    </p:spTree>
+    <p:extLst>
+      <p:ext uri="{BB962C8B-B14F-4D97-AF65-F5344CB8AC3E}">
+        <p14:creationId xmlns:p14="http://schemas.microsoft.com/office/powerpoint/2010/main" val="4064796034"/>
+      </p:ext>
+    </p:extLst>
+  </p:cSld>
+  <p:clrMapOvr>
+    <a:masterClrMapping/>
+  </p:clrMapOvr>
+</p:sld>
+</file>
+
+<file path=ppt/slides/slide5.xml><?xml version="1.0" encoding="utf-8"?>
+<p:sld xmlns:a="http://schemas.openxmlformats.org/drawingml/2006/main" xmlns:r="http://schemas.openxmlformats.org/officeDocument/2006/relationships" xmlns:p="http://schemas.openxmlformats.org/presentationml/2006/main">
+  <p:cSld>
+    <p:spTree>
+      <p:nvGrpSpPr>
+        <p:cNvPr id="1" name=""/>
+        <p:cNvGrpSpPr/>
+        <p:nvPr/>
+      </p:nvGrpSpPr>
+      <p:grpSpPr>
+        <a:xfrm>
+          <a:off x="0" y="0"/>
+          <a:ext cx="0" cy="0"/>
+          <a:chOff x="0" y="0"/>
+          <a:chExt cx="0" cy="0"/>
+        </a:xfrm>
+      </p:grpSpPr>
+      <p:sp>
+        <p:nvSpPr>
+          <p:cNvPr id="2" name="Title 1"/>
+          <p:cNvSpPr>
+            <a:spLocks noGrp="1"/>
+          </p:cNvSpPr>
+          <p:nvPr>
+            <p:ph type="title"/>
+          </p:nvPr>
+        </p:nvSpPr>
+        <p:spPr/>
+        <p:txBody>
+          <a:bodyPr/>
+          <a:lstStyle/>
+          <a:p>
+            <a:r>
+              <a:rPr lang="en-US" dirty="0" smtClean="0"/>
+              <a:t>Setting up the stack</a:t>
+            </a:r>
+            <a:endParaRPr lang="en-US" dirty="0"/>
+          </a:p>
+        </p:txBody>
+      </p:sp>
+      <p:sp>
+        <p:nvSpPr>
+          <p:cNvPr id="3" name="Content Placeholder 2"/>
+          <p:cNvSpPr>
+            <a:spLocks noGrp="1"/>
+          </p:cNvSpPr>
+          <p:nvPr>
+            <p:ph idx="1"/>
+          </p:nvPr>
+        </p:nvSpPr>
+        <p:spPr/>
+        <p:txBody>
+          <a:bodyPr/>
+          <a:lstStyle/>
+          <a:p>
+            <a:endParaRPr lang="en-US" dirty="0"/>
+          </a:p>
+        </p:txBody>
+      </p:sp>
+    </p:spTree>
+    <p:extLst>
+      <p:ext uri="{BB962C8B-B14F-4D97-AF65-F5344CB8AC3E}">
+        <p14:creationId xmlns:p14="http://schemas.microsoft.com/office/powerpoint/2010/main" val="364135942"/>
+      </p:ext>
+    </p:extLst>
+  </p:cSld>
+  <p:clrMapOvr>
+    <a:masterClrMapping/>
+  </p:clrMapOvr>
+</p:sld>
+</file>
+
+<file path=ppt/slides/slide6.xml><?xml version="1.0" encoding="utf-8"?>
+<p:sld xmlns:a="http://schemas.openxmlformats.org/drawingml/2006/main" xmlns:r="http://schemas.openxmlformats.org/officeDocument/2006/relationships" xmlns:p="http://schemas.openxmlformats.org/presentationml/2006/main">
+  <p:cSld>
+    <p:spTree>
+      <p:nvGrpSpPr>
+        <p:cNvPr id="1" name=""/>
+        <p:cNvGrpSpPr/>
+        <p:nvPr/>
+      </p:nvGrpSpPr>
+      <p:grpSpPr>
+        <a:xfrm>
+          <a:off x="0" y="0"/>
+          <a:ext cx="0" cy="0"/>
+          <a:chOff x="0" y="0"/>
+          <a:chExt cx="0" cy="0"/>
+        </a:xfrm>
+      </p:grpSpPr>
+      <p:sp>
+        <p:nvSpPr>
+          <p:cNvPr id="2" name="Title 1"/>
+          <p:cNvSpPr>
+            <a:spLocks noGrp="1"/>
+          </p:cNvSpPr>
+          <p:nvPr>
+            <p:ph type="title"/>
+          </p:nvPr>
+        </p:nvSpPr>
+        <p:spPr/>
+        <p:txBody>
+          <a:bodyPr/>
+          <a:lstStyle/>
+          <a:p>
+            <a:r>
+              <a:rPr lang="en-US" dirty="0" smtClean="0"/>
+              <a:t>Finding gadgets</a:t>
+            </a:r>
+            <a:endParaRPr lang="en-US" dirty="0"/>
+          </a:p>
+        </p:txBody>
+      </p:sp>
+      <p:sp>
+        <p:nvSpPr>
+          <p:cNvPr id="3" name="Content Placeholder 2"/>
+          <p:cNvSpPr>
+            <a:spLocks noGrp="1"/>
+          </p:cNvSpPr>
+          <p:nvPr>
+            <p:ph idx="1"/>
+          </p:nvPr>
+        </p:nvSpPr>
+        <p:spPr/>
+        <p:txBody>
+          <a:bodyPr/>
+          <a:lstStyle/>
+          <a:p>
+            <a:r>
+              <a:rPr lang="en-US" dirty="0" err="1" smtClean="0"/>
+              <a:t>msfrop</a:t>
+            </a:r>
+            <a:endParaRPr lang="en-US" dirty="0"/>
+          </a:p>
+        </p:txBody>
+      </p:sp>
+    </p:spTree>
+    <p:extLst>
+      <p:ext uri="{BB962C8B-B14F-4D97-AF65-F5344CB8AC3E}">
+        <p14:creationId xmlns:p14="http://schemas.microsoft.com/office/powerpoint/2010/main" val="125048930"/>
+      </p:ext>
+    </p:extLst>
+  </p:cSld>
+  <p:clrMapOvr>
+    <a:masterClrMapping/>
+  </p:clrMapOvr>
+</p:sld>
+</file>
+
+<file path=ppt/slides/slide7.xml><?xml version="1.0" encoding="utf-8"?>
+<p:sld xmlns:a="http://schemas.openxmlformats.org/drawingml/2006/main" xmlns:r="http://schemas.openxmlformats.org/officeDocument/2006/relationships" xmlns:p="http://schemas.openxmlformats.org/presentationml/2006/main">
+  <p:cSld>
+    <p:spTree>
+      <p:nvGrpSpPr>
+        <p:cNvPr id="1" name=""/>
+        <p:cNvGrpSpPr/>
+        <p:nvPr/>
+      </p:nvGrpSpPr>
+      <p:grpSpPr>
+        <a:xfrm>
+          <a:off x="0" y="0"/>
+          <a:ext cx="0" cy="0"/>
+          <a:chOff x="0" y="0"/>
+          <a:chExt cx="0" cy="0"/>
+        </a:xfrm>
+      </p:grpSpPr>
+      <p:sp>
+        <p:nvSpPr>
+          <p:cNvPr id="2" name="Title 1"/>
+          <p:cNvSpPr>
+            <a:spLocks noGrp="1"/>
+          </p:cNvSpPr>
+          <p:nvPr>
+            <p:ph type="title"/>
+          </p:nvPr>
+        </p:nvSpPr>
+        <p:spPr/>
+        <p:txBody>
+          <a:bodyPr/>
+          <a:lstStyle/>
+          <a:p>
+            <a:r>
+              <a:rPr lang="en-US" dirty="0" smtClean="0"/>
+              <a:t>Memory Leaks</a:t>
+            </a:r>
+            <a:endParaRPr lang="en-US" dirty="0"/>
+          </a:p>
+        </p:txBody>
+      </p:sp>
+      <p:sp>
+        <p:nvSpPr>
+          <p:cNvPr id="3" name="Content Placeholder 2"/>
+          <p:cNvSpPr>
+            <a:spLocks noGrp="1"/>
+          </p:cNvSpPr>
+          <p:nvPr>
+            <p:ph idx="1"/>
+          </p:nvPr>
+        </p:nvSpPr>
+        <p:spPr/>
+        <p:txBody>
+          <a:bodyPr/>
+          <a:lstStyle/>
+          <a:p>
+            <a:endParaRPr lang="en-US" dirty="0"/>
           </a:p>
         </p:txBody>
       </p:sp>
@@ -3691,7 +4370,7 @@
 </p:sld>
 </file>
 
-<file path=ppt/slides/slide3.xml><?xml version="1.0" encoding="utf-8"?>
+<file path=ppt/slides/slide8.xml><?xml version="1.0" encoding="utf-8"?>
 <p:sld xmlns:a="http://schemas.openxmlformats.org/drawingml/2006/main" xmlns:r="http://schemas.openxmlformats.org/officeDocument/2006/relationships" xmlns:p="http://schemas.openxmlformats.org/presentationml/2006/main">
   <p:cSld>
     <p:spTree>

--- a/slides-2.pptx
+++ b/slides-2.pptx
@@ -5,17 +5,21 @@
     <p:sldMasterId id="2147483648" r:id="rId1"/>
   </p:sldMasterIdLst>
   <p:notesMasterIdLst>
-    <p:notesMasterId r:id="rId10"/>
+    <p:notesMasterId r:id="rId14"/>
   </p:notesMasterIdLst>
   <p:sldIdLst>
     <p:sldId id="257" r:id="rId2"/>
     <p:sldId id="260" r:id="rId3"/>
     <p:sldId id="261" r:id="rId4"/>
-    <p:sldId id="262" r:id="rId5"/>
-    <p:sldId id="264" r:id="rId6"/>
-    <p:sldId id="263" r:id="rId7"/>
-    <p:sldId id="259" r:id="rId8"/>
-    <p:sldId id="258" r:id="rId9"/>
+    <p:sldId id="266" r:id="rId5"/>
+    <p:sldId id="262" r:id="rId6"/>
+    <p:sldId id="264" r:id="rId7"/>
+    <p:sldId id="263" r:id="rId8"/>
+    <p:sldId id="267" r:id="rId9"/>
+    <p:sldId id="268" r:id="rId10"/>
+    <p:sldId id="259" r:id="rId11"/>
+    <p:sldId id="269" r:id="rId12"/>
+    <p:sldId id="265" r:id="rId13"/>
   </p:sldIdLst>
   <p:sldSz cx="9144000" cy="6858000" type="screen4x3"/>
   <p:notesSz cx="6858000" cy="9144000"/>
@@ -643,24 +647,90 @@
           <a:bodyPr/>
           <a:lstStyle/>
           <a:p>
-            <a:r>
-              <a:rPr lang="en-US" dirty="0" err="1" smtClean="0"/>
-              <a:t>dpkg</a:t>
-            </a:r>
-            <a:r>
-              <a:rPr lang="en-US" dirty="0" smtClean="0"/>
-              <a:t> -l libc6</a:t>
-            </a:r>
-          </a:p>
-          <a:p>
-            <a:r>
-              <a:rPr lang="en-US" dirty="0" err="1" smtClean="0"/>
-              <a:t>dpkg</a:t>
-            </a:r>
-            <a:r>
-              <a:rPr lang="en-US" dirty="0" smtClean="0"/>
-              <a:t> -l libc6:i386</a:t>
-            </a:r>
+            <a:endParaRPr lang="en-US" dirty="0"/>
+          </a:p>
+        </p:txBody>
+      </p:sp>
+      <p:sp>
+        <p:nvSpPr>
+          <p:cNvPr id="4" name="Slide Number Placeholder 3"/>
+          <p:cNvSpPr>
+            <a:spLocks noGrp="1"/>
+          </p:cNvSpPr>
+          <p:nvPr>
+            <p:ph type="sldNum" sz="quarter" idx="10"/>
+          </p:nvPr>
+        </p:nvSpPr>
+        <p:spPr/>
+        <p:txBody>
+          <a:bodyPr/>
+          <a:lstStyle/>
+          <a:p>
+            <a:fld id="{02D87739-F40B-3144-A7CF-A5D29BA4A57D}" type="slidenum">
+              <a:rPr lang="en-US" smtClean="0"/>
+              <a:t>6</a:t>
+            </a:fld>
+            <a:endParaRPr lang="en-US"/>
+          </a:p>
+        </p:txBody>
+      </p:sp>
+    </p:spTree>
+    <p:extLst>
+      <p:ext uri="{BB962C8B-B14F-4D97-AF65-F5344CB8AC3E}">
+        <p14:creationId xmlns:p14="http://schemas.microsoft.com/office/powerpoint/2010/main" val="158588150"/>
+      </p:ext>
+    </p:extLst>
+  </p:cSld>
+  <p:clrMapOvr>
+    <a:masterClrMapping/>
+  </p:clrMapOvr>
+</p:notes>
+</file>
+
+<file path=ppt/notesSlides/notesSlide3.xml><?xml version="1.0" encoding="utf-8"?>
+<p:notes xmlns:a="http://schemas.openxmlformats.org/drawingml/2006/main" xmlns:r="http://schemas.openxmlformats.org/officeDocument/2006/relationships" xmlns:p="http://schemas.openxmlformats.org/presentationml/2006/main">
+  <p:cSld>
+    <p:spTree>
+      <p:nvGrpSpPr>
+        <p:cNvPr id="1" name=""/>
+        <p:cNvGrpSpPr/>
+        <p:nvPr/>
+      </p:nvGrpSpPr>
+      <p:grpSpPr>
+        <a:xfrm>
+          <a:off x="0" y="0"/>
+          <a:ext cx="0" cy="0"/>
+          <a:chOff x="0" y="0"/>
+          <a:chExt cx="0" cy="0"/>
+        </a:xfrm>
+      </p:grpSpPr>
+      <p:sp>
+        <p:nvSpPr>
+          <p:cNvPr id="2" name="Slide Image Placeholder 1"/>
+          <p:cNvSpPr>
+            <a:spLocks noGrp="1" noRot="1" noChangeAspect="1"/>
+          </p:cNvSpPr>
+          <p:nvPr>
+            <p:ph type="sldImg"/>
+          </p:nvPr>
+        </p:nvSpPr>
+        <p:spPr/>
+      </p:sp>
+      <p:sp>
+        <p:nvSpPr>
+          <p:cNvPr id="3" name="Notes Placeholder 2"/>
+          <p:cNvSpPr>
+            <a:spLocks noGrp="1"/>
+          </p:cNvSpPr>
+          <p:nvPr>
+            <p:ph type="body" idx="1"/>
+          </p:nvPr>
+        </p:nvSpPr>
+        <p:spPr/>
+        <p:txBody>
+          <a:bodyPr/>
+          <a:lstStyle/>
+          <a:p>
             <a:endParaRPr lang="en-US" dirty="0"/>
           </a:p>
         </p:txBody>
@@ -691,7 +761,199 @@
     </p:spTree>
     <p:extLst>
       <p:ext uri="{BB962C8B-B14F-4D97-AF65-F5344CB8AC3E}">
-        <p14:creationId xmlns:p14="http://schemas.microsoft.com/office/powerpoint/2010/main" val="3440622671"/>
+        <p14:creationId xmlns:p14="http://schemas.microsoft.com/office/powerpoint/2010/main" val="2319706197"/>
+      </p:ext>
+    </p:extLst>
+  </p:cSld>
+  <p:clrMapOvr>
+    <a:masterClrMapping/>
+  </p:clrMapOvr>
+</p:notes>
+</file>
+
+<file path=ppt/notesSlides/notesSlide4.xml><?xml version="1.0" encoding="utf-8"?>
+<p:notes xmlns:a="http://schemas.openxmlformats.org/drawingml/2006/main" xmlns:r="http://schemas.openxmlformats.org/officeDocument/2006/relationships" xmlns:p="http://schemas.openxmlformats.org/presentationml/2006/main">
+  <p:cSld>
+    <p:spTree>
+      <p:nvGrpSpPr>
+        <p:cNvPr id="1" name=""/>
+        <p:cNvGrpSpPr/>
+        <p:nvPr/>
+      </p:nvGrpSpPr>
+      <p:grpSpPr>
+        <a:xfrm>
+          <a:off x="0" y="0"/>
+          <a:ext cx="0" cy="0"/>
+          <a:chOff x="0" y="0"/>
+          <a:chExt cx="0" cy="0"/>
+        </a:xfrm>
+      </p:grpSpPr>
+      <p:sp>
+        <p:nvSpPr>
+          <p:cNvPr id="2" name="Slide Image Placeholder 1"/>
+          <p:cNvSpPr>
+            <a:spLocks noGrp="1" noRot="1" noChangeAspect="1"/>
+          </p:cNvSpPr>
+          <p:nvPr>
+            <p:ph type="sldImg"/>
+          </p:nvPr>
+        </p:nvSpPr>
+        <p:spPr/>
+      </p:sp>
+      <p:sp>
+        <p:nvSpPr>
+          <p:cNvPr id="3" name="Notes Placeholder 2"/>
+          <p:cNvSpPr>
+            <a:spLocks noGrp="1"/>
+          </p:cNvSpPr>
+          <p:nvPr>
+            <p:ph type="body" idx="1"/>
+          </p:nvPr>
+        </p:nvSpPr>
+        <p:spPr/>
+        <p:txBody>
+          <a:bodyPr/>
+          <a:lstStyle/>
+          <a:p>
+            <a:r>
+              <a:rPr lang="en-US" dirty="0" smtClean="0"/>
+              <a:t>Format string exception</a:t>
+            </a:r>
+            <a:endParaRPr lang="en-US" dirty="0"/>
+          </a:p>
+        </p:txBody>
+      </p:sp>
+      <p:sp>
+        <p:nvSpPr>
+          <p:cNvPr id="4" name="Slide Number Placeholder 3"/>
+          <p:cNvSpPr>
+            <a:spLocks noGrp="1"/>
+          </p:cNvSpPr>
+          <p:nvPr>
+            <p:ph type="sldNum" sz="quarter" idx="10"/>
+          </p:nvPr>
+        </p:nvSpPr>
+        <p:spPr/>
+        <p:txBody>
+          <a:bodyPr/>
+          <a:lstStyle/>
+          <a:p>
+            <a:fld id="{02D87739-F40B-3144-A7CF-A5D29BA4A57D}" type="slidenum">
+              <a:rPr lang="en-US" smtClean="0"/>
+              <a:t>10</a:t>
+            </a:fld>
+            <a:endParaRPr lang="en-US"/>
+          </a:p>
+        </p:txBody>
+      </p:sp>
+    </p:spTree>
+    <p:extLst>
+      <p:ext uri="{BB962C8B-B14F-4D97-AF65-F5344CB8AC3E}">
+        <p14:creationId xmlns:p14="http://schemas.microsoft.com/office/powerpoint/2010/main" val="1622287771"/>
+      </p:ext>
+    </p:extLst>
+  </p:cSld>
+  <p:clrMapOvr>
+    <a:masterClrMapping/>
+  </p:clrMapOvr>
+</p:notes>
+</file>
+
+<file path=ppt/notesSlides/notesSlide5.xml><?xml version="1.0" encoding="utf-8"?>
+<p:notes xmlns:a="http://schemas.openxmlformats.org/drawingml/2006/main" xmlns:r="http://schemas.openxmlformats.org/officeDocument/2006/relationships" xmlns:p="http://schemas.openxmlformats.org/presentationml/2006/main">
+  <p:cSld>
+    <p:spTree>
+      <p:nvGrpSpPr>
+        <p:cNvPr id="1" name=""/>
+        <p:cNvGrpSpPr/>
+        <p:nvPr/>
+      </p:nvGrpSpPr>
+      <p:grpSpPr>
+        <a:xfrm>
+          <a:off x="0" y="0"/>
+          <a:ext cx="0" cy="0"/>
+          <a:chOff x="0" y="0"/>
+          <a:chExt cx="0" cy="0"/>
+        </a:xfrm>
+      </p:grpSpPr>
+      <p:sp>
+        <p:nvSpPr>
+          <p:cNvPr id="2" name="Slide Image Placeholder 1"/>
+          <p:cNvSpPr>
+            <a:spLocks noGrp="1" noRot="1" noChangeAspect="1"/>
+          </p:cNvSpPr>
+          <p:nvPr>
+            <p:ph type="sldImg"/>
+          </p:nvPr>
+        </p:nvSpPr>
+        <p:spPr/>
+      </p:sp>
+      <p:sp>
+        <p:nvSpPr>
+          <p:cNvPr id="3" name="Notes Placeholder 2"/>
+          <p:cNvSpPr>
+            <a:spLocks noGrp="1"/>
+          </p:cNvSpPr>
+          <p:nvPr>
+            <p:ph type="body" idx="1"/>
+          </p:nvPr>
+        </p:nvSpPr>
+        <p:spPr/>
+        <p:txBody>
+          <a:bodyPr/>
+          <a:lstStyle/>
+          <a:p>
+            <a:r>
+              <a:rPr lang="en-US" dirty="0" err="1" smtClean="0"/>
+              <a:t>dpkg</a:t>
+            </a:r>
+            <a:r>
+              <a:rPr lang="en-US" dirty="0" smtClean="0"/>
+              <a:t> -l libc6</a:t>
+            </a:r>
+          </a:p>
+          <a:p>
+            <a:r>
+              <a:rPr lang="en-US" dirty="0" err="1" smtClean="0"/>
+              <a:t>dpkg</a:t>
+            </a:r>
+            <a:r>
+              <a:rPr lang="en-US" dirty="0" smtClean="0"/>
+              <a:t> -l libc6:i386</a:t>
+            </a:r>
+          </a:p>
+          <a:p>
+            <a:endParaRPr lang="en-US" dirty="0"/>
+          </a:p>
+        </p:txBody>
+      </p:sp>
+      <p:sp>
+        <p:nvSpPr>
+          <p:cNvPr id="4" name="Slide Number Placeholder 3"/>
+          <p:cNvSpPr>
+            <a:spLocks noGrp="1"/>
+          </p:cNvSpPr>
+          <p:nvPr>
+            <p:ph type="sldNum" sz="quarter" idx="10"/>
+          </p:nvPr>
+        </p:nvSpPr>
+        <p:spPr/>
+        <p:txBody>
+          <a:bodyPr/>
+          <a:lstStyle/>
+          <a:p>
+            <a:fld id="{02D87739-F40B-3144-A7CF-A5D29BA4A57D}" type="slidenum">
+              <a:rPr lang="en-US" smtClean="0"/>
+              <a:t>12</a:t>
+            </a:fld>
+            <a:endParaRPr lang="en-US"/>
+          </a:p>
+        </p:txBody>
+      </p:sp>
+    </p:spTree>
+    <p:extLst>
+      <p:ext uri="{BB962C8B-B14F-4D97-AF65-F5344CB8AC3E}">
+        <p14:creationId xmlns:p14="http://schemas.microsoft.com/office/powerpoint/2010/main" val="4234617221"/>
       </p:ext>
     </p:extLst>
   </p:cSld>
@@ -3760,6 +4022,353 @@
 </p:sld>
 </file>
 
+<file path=ppt/slides/slide10.xml><?xml version="1.0" encoding="utf-8"?>
+<p:sld xmlns:a="http://schemas.openxmlformats.org/drawingml/2006/main" xmlns:r="http://schemas.openxmlformats.org/officeDocument/2006/relationships" xmlns:p="http://schemas.openxmlformats.org/presentationml/2006/main">
+  <p:cSld>
+    <p:spTree>
+      <p:nvGrpSpPr>
+        <p:cNvPr id="1" name=""/>
+        <p:cNvGrpSpPr/>
+        <p:nvPr/>
+      </p:nvGrpSpPr>
+      <p:grpSpPr>
+        <a:xfrm>
+          <a:off x="0" y="0"/>
+          <a:ext cx="0" cy="0"/>
+          <a:chOff x="0" y="0"/>
+          <a:chExt cx="0" cy="0"/>
+        </a:xfrm>
+      </p:grpSpPr>
+      <p:sp>
+        <p:nvSpPr>
+          <p:cNvPr id="2" name="Title 1"/>
+          <p:cNvSpPr>
+            <a:spLocks noGrp="1"/>
+          </p:cNvSpPr>
+          <p:nvPr>
+            <p:ph type="title"/>
+          </p:nvPr>
+        </p:nvSpPr>
+        <p:spPr/>
+        <p:txBody>
+          <a:bodyPr/>
+          <a:lstStyle/>
+          <a:p>
+            <a:r>
+              <a:rPr lang="en-US" dirty="0" smtClean="0"/>
+              <a:t>Memory Disclosure</a:t>
+            </a:r>
+            <a:endParaRPr lang="en-US" dirty="0"/>
+          </a:p>
+        </p:txBody>
+      </p:sp>
+      <p:sp>
+        <p:nvSpPr>
+          <p:cNvPr id="3" name="Content Placeholder 2"/>
+          <p:cNvSpPr>
+            <a:spLocks noGrp="1"/>
+          </p:cNvSpPr>
+          <p:nvPr>
+            <p:ph idx="1"/>
+          </p:nvPr>
+        </p:nvSpPr>
+        <p:spPr/>
+        <p:txBody>
+          <a:bodyPr>
+            <a:normAutofit/>
+          </a:bodyPr>
+          <a:lstStyle/>
+          <a:p>
+            <a:r>
+              <a:rPr lang="en-US" dirty="0" smtClean="0"/>
+              <a:t>What’s that?</a:t>
+            </a:r>
+          </a:p>
+          <a:p>
+            <a:r>
+              <a:rPr lang="en-US" dirty="0" smtClean="0"/>
+              <a:t>Why:</a:t>
+            </a:r>
+          </a:p>
+          <a:p>
+            <a:pPr lvl="1"/>
+            <a:r>
+              <a:rPr lang="en-US" dirty="0" smtClean="0"/>
+              <a:t>Use system libraries, bypass ASLR on specific libs</a:t>
+            </a:r>
+          </a:p>
+          <a:p>
+            <a:pPr lvl="1"/>
+            <a:r>
+              <a:rPr lang="en-US" dirty="0" smtClean="0"/>
+              <a:t>Necessary if everything is </a:t>
+            </a:r>
+            <a:r>
+              <a:rPr lang="en-US" dirty="0" err="1" smtClean="0"/>
+              <a:t>randomised</a:t>
+            </a:r>
+            <a:endParaRPr lang="en-US" dirty="0" smtClean="0"/>
+          </a:p>
+          <a:p>
+            <a:r>
+              <a:rPr lang="en-US" dirty="0" smtClean="0"/>
+              <a:t>How:</a:t>
+            </a:r>
+          </a:p>
+          <a:p>
+            <a:pPr lvl="1"/>
+            <a:r>
+              <a:rPr lang="en-US" dirty="0" err="1" smtClean="0"/>
+              <a:t>Stacktraces</a:t>
+            </a:r>
+            <a:endParaRPr lang="en-US" dirty="0" smtClean="0"/>
+          </a:p>
+          <a:p>
+            <a:pPr lvl="1"/>
+            <a:r>
+              <a:rPr lang="en-US" dirty="0" smtClean="0"/>
+              <a:t>Format string bugs</a:t>
+            </a:r>
+          </a:p>
+          <a:p>
+            <a:pPr lvl="1"/>
+            <a:r>
+              <a:rPr lang="en-US" dirty="0" smtClean="0"/>
+              <a:t>Can you “cause” it?</a:t>
+            </a:r>
+          </a:p>
+          <a:p>
+            <a:endParaRPr lang="en-US" dirty="0"/>
+          </a:p>
+        </p:txBody>
+      </p:sp>
+    </p:spTree>
+    <p:extLst>
+      <p:ext uri="{BB962C8B-B14F-4D97-AF65-F5344CB8AC3E}">
+        <p14:creationId xmlns:p14="http://schemas.microsoft.com/office/powerpoint/2010/main" val="3851031942"/>
+      </p:ext>
+    </p:extLst>
+  </p:cSld>
+  <p:clrMapOvr>
+    <a:masterClrMapping/>
+  </p:clrMapOvr>
+</p:sld>
+</file>
+
+<file path=ppt/slides/slide11.xml><?xml version="1.0" encoding="utf-8"?>
+<p:sld xmlns:a="http://schemas.openxmlformats.org/drawingml/2006/main" xmlns:r="http://schemas.openxmlformats.org/officeDocument/2006/relationships" xmlns:p="http://schemas.openxmlformats.org/presentationml/2006/main">
+  <p:cSld>
+    <p:spTree>
+      <p:nvGrpSpPr>
+        <p:cNvPr id="1" name=""/>
+        <p:cNvGrpSpPr/>
+        <p:nvPr/>
+      </p:nvGrpSpPr>
+      <p:grpSpPr>
+        <a:xfrm>
+          <a:off x="0" y="0"/>
+          <a:ext cx="0" cy="0"/>
+          <a:chOff x="0" y="0"/>
+          <a:chExt cx="0" cy="0"/>
+        </a:xfrm>
+      </p:grpSpPr>
+      <p:sp>
+        <p:nvSpPr>
+          <p:cNvPr id="2" name="Title 1"/>
+          <p:cNvSpPr>
+            <a:spLocks noGrp="1"/>
+          </p:cNvSpPr>
+          <p:nvPr>
+            <p:ph type="title"/>
+          </p:nvPr>
+        </p:nvSpPr>
+        <p:spPr/>
+        <p:txBody>
+          <a:bodyPr/>
+          <a:lstStyle/>
+          <a:p>
+            <a:r>
+              <a:rPr lang="en-US" dirty="0" smtClean="0"/>
+              <a:t>Using leaks</a:t>
+            </a:r>
+            <a:endParaRPr lang="en-US" dirty="0"/>
+          </a:p>
+        </p:txBody>
+      </p:sp>
+      <p:sp>
+        <p:nvSpPr>
+          <p:cNvPr id="3" name="Content Placeholder 2"/>
+          <p:cNvSpPr>
+            <a:spLocks noGrp="1"/>
+          </p:cNvSpPr>
+          <p:nvPr>
+            <p:ph idx="1"/>
+          </p:nvPr>
+        </p:nvSpPr>
+        <p:spPr/>
+        <p:txBody>
+          <a:bodyPr>
+            <a:normAutofit lnSpcReduction="10000"/>
+          </a:bodyPr>
+          <a:lstStyle/>
+          <a:p>
+            <a:r>
+              <a:rPr lang="en-US" dirty="0" smtClean="0"/>
+              <a:t>I’ve got a memory address, then?</a:t>
+            </a:r>
+          </a:p>
+          <a:p>
+            <a:pPr lvl="1"/>
+            <a:r>
+              <a:rPr lang="en-US" dirty="0" smtClean="0"/>
+              <a:t>Leak one or few addresses for known locations, calculate the rest by offset</a:t>
+            </a:r>
+          </a:p>
+          <a:p>
+            <a:pPr lvl="2"/>
+            <a:r>
+              <a:rPr lang="en-US" dirty="0" smtClean="0"/>
+              <a:t>-&gt; dependent on the version of the library</a:t>
+            </a:r>
+          </a:p>
+          <a:p>
+            <a:pPr lvl="1"/>
+            <a:r>
+              <a:rPr lang="en-US" dirty="0" smtClean="0"/>
+              <a:t>Leak big chunks of memory, extract gadgets and addresses directly</a:t>
+            </a:r>
+          </a:p>
+          <a:p>
+            <a:pPr lvl="2"/>
+            <a:r>
+              <a:rPr lang="en-US" dirty="0" smtClean="0"/>
+              <a:t>Possible to dynamically build ROP payload on the fly from template</a:t>
+            </a:r>
+          </a:p>
+          <a:p>
+            <a:pPr lvl="2"/>
+            <a:r>
+              <a:rPr lang="en-US" dirty="0" smtClean="0"/>
+              <a:t>More reliable, but technically harder</a:t>
+            </a:r>
+          </a:p>
+          <a:p>
+            <a:pPr lvl="2"/>
+            <a:r>
+              <a:rPr lang="en-US" dirty="0" smtClean="0"/>
+              <a:t>You might not have full control on the leak</a:t>
+            </a:r>
+          </a:p>
+        </p:txBody>
+      </p:sp>
+    </p:spTree>
+    <p:extLst>
+      <p:ext uri="{BB962C8B-B14F-4D97-AF65-F5344CB8AC3E}">
+        <p14:creationId xmlns:p14="http://schemas.microsoft.com/office/powerpoint/2010/main" val="4120693959"/>
+      </p:ext>
+    </p:extLst>
+  </p:cSld>
+  <p:clrMapOvr>
+    <a:masterClrMapping/>
+  </p:clrMapOvr>
+</p:sld>
+</file>
+
+<file path=ppt/slides/slide12.xml><?xml version="1.0" encoding="utf-8"?>
+<p:sld xmlns:a="http://schemas.openxmlformats.org/drawingml/2006/main" xmlns:r="http://schemas.openxmlformats.org/officeDocument/2006/relationships" xmlns:p="http://schemas.openxmlformats.org/presentationml/2006/main">
+  <p:cSld>
+    <p:spTree>
+      <p:nvGrpSpPr>
+        <p:cNvPr id="1" name=""/>
+        <p:cNvGrpSpPr/>
+        <p:nvPr/>
+      </p:nvGrpSpPr>
+      <p:grpSpPr>
+        <a:xfrm>
+          <a:off x="0" y="0"/>
+          <a:ext cx="0" cy="0"/>
+          <a:chOff x="0" y="0"/>
+          <a:chExt cx="0" cy="0"/>
+        </a:xfrm>
+      </p:grpSpPr>
+      <p:sp>
+        <p:nvSpPr>
+          <p:cNvPr id="2" name="Title 1"/>
+          <p:cNvSpPr>
+            <a:spLocks noGrp="1"/>
+          </p:cNvSpPr>
+          <p:nvPr>
+            <p:ph type="title"/>
+          </p:nvPr>
+        </p:nvSpPr>
+        <p:spPr/>
+        <p:txBody>
+          <a:bodyPr/>
+          <a:lstStyle/>
+          <a:p>
+            <a:r>
+              <a:rPr lang="en-US" dirty="0" smtClean="0"/>
+              <a:t>Caveats</a:t>
+            </a:r>
+            <a:endParaRPr lang="en-US" dirty="0"/>
+          </a:p>
+        </p:txBody>
+      </p:sp>
+      <p:sp>
+        <p:nvSpPr>
+          <p:cNvPr id="3" name="Content Placeholder 2"/>
+          <p:cNvSpPr>
+            <a:spLocks noGrp="1"/>
+          </p:cNvSpPr>
+          <p:nvPr>
+            <p:ph idx="1"/>
+          </p:nvPr>
+        </p:nvSpPr>
+        <p:spPr/>
+        <p:txBody>
+          <a:bodyPr/>
+          <a:lstStyle/>
+          <a:p>
+            <a:r>
+              <a:rPr lang="en-US" dirty="0" err="1" smtClean="0"/>
+              <a:t>Libc</a:t>
+            </a:r>
+            <a:r>
+              <a:rPr lang="en-US" dirty="0" smtClean="0"/>
+              <a:t>/win32 </a:t>
+            </a:r>
+            <a:r>
+              <a:rPr lang="en-US" smtClean="0"/>
+              <a:t>api </a:t>
+            </a:r>
+            <a:r>
+              <a:rPr lang="en-US" dirty="0" smtClean="0"/>
+              <a:t>version hell</a:t>
+            </a:r>
+            <a:endParaRPr lang="en-US" dirty="0" smtClean="0"/>
+          </a:p>
+          <a:p>
+            <a:r>
+              <a:rPr lang="en-US" dirty="0" smtClean="0"/>
+              <a:t>Who cleans up the stack?</a:t>
+            </a:r>
+            <a:endParaRPr lang="en-US" dirty="0"/>
+          </a:p>
+        </p:txBody>
+      </p:sp>
+    </p:spTree>
+    <p:extLst>
+      <p:ext uri="{BB962C8B-B14F-4D97-AF65-F5344CB8AC3E}">
+        <p14:creationId xmlns:p14="http://schemas.microsoft.com/office/powerpoint/2010/main" val="986293500"/>
+      </p:ext>
+    </p:extLst>
+  </p:cSld>
+  <p:clrMapOvr>
+    <a:masterClrMapping/>
+  </p:clrMapOvr>
+</p:sld>
+</file>
+
 <file path=ppt/slides/slide2.xml><?xml version="1.0" encoding="utf-8"?>
 <p:sld xmlns:a="http://schemas.openxmlformats.org/drawingml/2006/main" xmlns:r="http://schemas.openxmlformats.org/officeDocument/2006/relationships" xmlns:p="http://schemas.openxmlformats.org/presentationml/2006/main">
   <p:cSld>
@@ -3835,7 +4444,7 @@
         </p:spPr>
         <p:txBody>
           <a:bodyPr>
-            <a:normAutofit lnSpcReduction="10000"/>
+            <a:normAutofit fontScale="92500" lnSpcReduction="10000"/>
           </a:bodyPr>
           <a:lstStyle/>
           <a:p>
@@ -3849,15 +4458,21 @@
           </a:p>
           <a:p>
             <a:r>
+              <a:rPr lang="en-US" dirty="0" smtClean="0"/>
+              <a:t>DEP</a:t>
+            </a:r>
+            <a:endParaRPr lang="en-US" dirty="0"/>
+          </a:p>
+          <a:p>
+            <a:r>
               <a:rPr lang="en-US" dirty="0"/>
-              <a:t>DEP</a:t>
-            </a:r>
-          </a:p>
-          <a:p>
-            <a:r>
-              <a:rPr lang="en-US" dirty="0"/>
-              <a:t>ASLR &amp; PIE</a:t>
-            </a:r>
+              <a:t>ASLR </a:t>
+            </a:r>
+            <a:r>
+              <a:rPr lang="en-US" dirty="0" smtClean="0"/>
+              <a:t>( &amp; PIE )</a:t>
+            </a:r>
+            <a:endParaRPr lang="en-US" dirty="0"/>
           </a:p>
           <a:p>
             <a:endParaRPr lang="en-US" dirty="0" smtClean="0"/>
@@ -3875,9 +4490,17 @@
           <a:p>
             <a:pPr lvl="1"/>
             <a:r>
-              <a:rPr lang="en-US" dirty="0"/>
-              <a:t>What do we know?</a:t>
-            </a:r>
+              <a:rPr lang="en-US" dirty="0" smtClean="0"/>
+              <a:t>Alone, DEP is not a big problem, </a:t>
+            </a:r>
+          </a:p>
+          <a:p>
+            <a:pPr lvl="1"/>
+            <a:r>
+              <a:rPr lang="en-US" dirty="0" smtClean="0"/>
+              <a:t>But, ASLR</a:t>
+            </a:r>
+            <a:endParaRPr lang="en-US" dirty="0"/>
           </a:p>
           <a:p>
             <a:pPr lvl="1"/>
@@ -3975,7 +4598,7 @@
           <a:p>
             <a:r>
               <a:rPr lang="en-US" dirty="0" smtClean="0"/>
-              <a:t>Program segments, modes</a:t>
+              <a:t>Program segments/sections, modes</a:t>
             </a:r>
           </a:p>
           <a:p>
@@ -4024,12 +4647,6 @@
             <a:r>
               <a:rPr lang="en-US" dirty="0" smtClean="0"/>
               <a:t>”</a:t>
-            </a:r>
-          </a:p>
-          <a:p>
-            <a:r>
-              <a:rPr lang="en-US" dirty="0" smtClean="0"/>
-              <a:t>How do you control it?</a:t>
             </a:r>
           </a:p>
           <a:p>
@@ -4084,55 +4701,120 @@
           <a:p>
             <a:r>
               <a:rPr lang="en-US" dirty="0" smtClean="0"/>
-              <a:t>Return Oriented Programming</a:t>
+              <a:t>The stack</a:t>
             </a:r>
             <a:endParaRPr lang="en-US" dirty="0"/>
           </a:p>
         </p:txBody>
       </p:sp>
-      <p:sp>
-        <p:nvSpPr>
-          <p:cNvPr id="3" name="Content Placeholder 2"/>
-          <p:cNvSpPr>
-            <a:spLocks noGrp="1"/>
-          </p:cNvSpPr>
-          <p:nvPr>
-            <p:ph idx="1"/>
-          </p:nvPr>
-        </p:nvSpPr>
-        <p:spPr/>
-        <p:txBody>
-          <a:bodyPr/>
+      <p:pic>
+        <p:nvPicPr>
+          <p:cNvPr id="6" name="Picture 5"/>
+          <p:cNvPicPr>
+            <a:picLocks noChangeAspect="1"/>
+          </p:cNvPicPr>
+          <p:nvPr/>
+        </p:nvPicPr>
+        <p:blipFill>
+          <a:blip r:embed="rId2"/>
+          <a:stretch>
+            <a:fillRect/>
+          </a:stretch>
+        </p:blipFill>
+        <p:spPr>
+          <a:xfrm>
+            <a:off x="2660146" y="1417637"/>
+            <a:ext cx="6307173" cy="5145325"/>
+          </a:xfrm>
+          <a:prstGeom prst="rect">
+            <a:avLst/>
+          </a:prstGeom>
+        </p:spPr>
+      </p:pic>
+      <p:sp>
+        <p:nvSpPr>
+          <p:cNvPr id="7" name="TextBox 6"/>
+          <p:cNvSpPr txBox="1"/>
+          <p:nvPr/>
+        </p:nvSpPr>
+        <p:spPr>
+          <a:xfrm>
+            <a:off x="577313" y="1667599"/>
+            <a:ext cx="2219449" cy="1754327"/>
+          </a:xfrm>
+          <a:prstGeom prst="rect">
+            <a:avLst/>
+          </a:prstGeom>
+          <a:noFill/>
+        </p:spPr>
+        <p:txBody>
+          <a:bodyPr wrap="square" rtlCol="0">
+            <a:spAutoFit/>
+          </a:bodyPr>
           <a:lstStyle/>
           <a:p>
             <a:r>
               <a:rPr lang="en-US" dirty="0" smtClean="0"/>
-              <a:t>ret =&gt; pop </a:t>
+              <a:t>Void </a:t>
             </a:r>
             <a:r>
               <a:rPr lang="en-US" dirty="0" err="1" smtClean="0"/>
-              <a:t>eip</a:t>
+              <a:t>DrawSquare</a:t>
+            </a:r>
+            <a:r>
+              <a:rPr lang="en-US" dirty="0" smtClean="0"/>
+              <a:t>(</a:t>
+            </a:r>
+            <a:r>
+              <a:rPr lang="en-US" dirty="0" err="1" smtClean="0"/>
+              <a:t>int</a:t>
+            </a:r>
+            <a:r>
+              <a:rPr lang="en-US" dirty="0" smtClean="0"/>
+              <a:t> pars){</a:t>
+            </a:r>
+          </a:p>
+          <a:p>
+            <a:r>
+              <a:rPr lang="en-US" dirty="0" smtClean="0"/>
+              <a:t>//</a:t>
+            </a:r>
+            <a:r>
+              <a:rPr lang="en-US" dirty="0" err="1" smtClean="0"/>
+              <a:t>blabla</a:t>
             </a:r>
             <a:endParaRPr lang="en-US" dirty="0" smtClean="0"/>
           </a:p>
           <a:p>
             <a:r>
-              <a:rPr lang="en-US" dirty="0" smtClean="0"/>
-              <a:t>A stack-controlled </a:t>
-            </a:r>
-            <a:r>
               <a:rPr lang="en-US" dirty="0" err="1" smtClean="0"/>
-              <a:t>jmp</a:t>
-            </a:r>
-            <a:endParaRPr lang="en-US" dirty="0" smtClean="0"/>
-          </a:p>
-          <a:p>
-            <a:r>
-              <a:rPr lang="en-US" dirty="0" smtClean="0"/>
-              <a:t>A very common one (in x86)</a:t>
-            </a:r>
-          </a:p>
-          <a:p>
+              <a:t>DrawLine</a:t>
+            </a:r>
+            <a:r>
+              <a:rPr lang="en-US" dirty="0" smtClean="0"/>
+              <a:t>(</a:t>
+            </a:r>
+            <a:r>
+              <a:rPr lang="en-US" dirty="0" err="1" smtClean="0"/>
+              <a:t>int</a:t>
+            </a:r>
+            <a:r>
+              <a:rPr lang="en-US" dirty="0" smtClean="0"/>
+              <a:t>*pars);</a:t>
+            </a:r>
+            <a:endParaRPr lang="en-US" dirty="0"/>
+          </a:p>
+          <a:p>
+            <a:r>
+              <a:rPr lang="en-US" dirty="0" smtClean="0"/>
+              <a:t>return</a:t>
+            </a:r>
+          </a:p>
+          <a:p>
+            <a:r>
+              <a:rPr lang="en-US" dirty="0" smtClean="0"/>
+              <a:t>}</a:t>
+            </a:r>
             <a:endParaRPr lang="en-US" dirty="0"/>
           </a:p>
         </p:txBody>
@@ -4140,7 +4822,7 @@
     </p:spTree>
     <p:extLst>
       <p:ext uri="{BB962C8B-B14F-4D97-AF65-F5344CB8AC3E}">
-        <p14:creationId xmlns:p14="http://schemas.microsoft.com/office/powerpoint/2010/main" val="4064796034"/>
+        <p14:creationId xmlns:p14="http://schemas.microsoft.com/office/powerpoint/2010/main" val="986293500"/>
       </p:ext>
     </p:extLst>
   </p:cSld>
@@ -4184,7 +4866,7 @@
           <a:p>
             <a:r>
               <a:rPr lang="en-US" dirty="0" smtClean="0"/>
-              <a:t>Setting up the stack</a:t>
+              <a:t>Return Oriented Programming</a:t>
             </a:r>
             <a:endParaRPr lang="en-US" dirty="0"/>
           </a:p>
@@ -4204,6 +4886,49 @@
         <p:txBody>
           <a:bodyPr/>
           <a:lstStyle/>
+          <a:p>
+            <a:r>
+              <a:rPr lang="en-US" dirty="0" smtClean="0"/>
+              <a:t>ret =&gt; pop </a:t>
+            </a:r>
+            <a:r>
+              <a:rPr lang="en-US" dirty="0" err="1" smtClean="0"/>
+              <a:t>eip</a:t>
+            </a:r>
+            <a:endParaRPr lang="en-US" dirty="0" smtClean="0"/>
+          </a:p>
+          <a:p>
+            <a:r>
+              <a:rPr lang="en-US" dirty="0" smtClean="0"/>
+              <a:t>A stack-controlled </a:t>
+            </a:r>
+            <a:r>
+              <a:rPr lang="en-US" dirty="0" err="1" smtClean="0"/>
+              <a:t>jmp</a:t>
+            </a:r>
+            <a:endParaRPr lang="en-US" dirty="0" smtClean="0"/>
+          </a:p>
+          <a:p>
+            <a:endParaRPr lang="en-US" dirty="0"/>
+          </a:p>
+          <a:p>
+            <a:r>
+              <a:rPr lang="en-US" dirty="0" smtClean="0"/>
+              <a:t>A ROP gadget: &lt;any instruction&gt; + ret </a:t>
+            </a:r>
+          </a:p>
+          <a:p>
+            <a:r>
+              <a:rPr lang="en-US" dirty="0" smtClean="0"/>
+              <a:t>When ret is executed the next address to jump to is fetched from the stack</a:t>
+            </a:r>
+          </a:p>
+          <a:p>
+            <a:r>
+              <a:rPr lang="en-US" dirty="0" smtClean="0"/>
+              <a:t>=&gt; ROP Chaining</a:t>
+            </a:r>
+          </a:p>
           <a:p>
             <a:endParaRPr lang="en-US" dirty="0"/>
           </a:p>
@@ -4212,7 +4937,7 @@
     </p:spTree>
     <p:extLst>
       <p:ext uri="{BB962C8B-B14F-4D97-AF65-F5344CB8AC3E}">
-        <p14:creationId xmlns:p14="http://schemas.microsoft.com/office/powerpoint/2010/main" val="364135942"/>
+        <p14:creationId xmlns:p14="http://schemas.microsoft.com/office/powerpoint/2010/main" val="4064796034"/>
       </p:ext>
     </p:extLst>
   </p:cSld>
@@ -4255,40 +4980,1000 @@
           <a:lstStyle/>
           <a:p>
             <a:r>
-              <a:rPr lang="en-US" dirty="0" smtClean="0"/>
-              <a:t>Finding gadgets</a:t>
+              <a:rPr lang="en-US" dirty="0"/>
+              <a:t>C</a:t>
+            </a:r>
+            <a:r>
+              <a:rPr lang="en-US" dirty="0" smtClean="0"/>
+              <a:t>haining</a:t>
             </a:r>
             <a:endParaRPr lang="en-US" dirty="0"/>
           </a:p>
         </p:txBody>
       </p:sp>
-      <p:sp>
-        <p:nvSpPr>
-          <p:cNvPr id="3" name="Content Placeholder 2"/>
-          <p:cNvSpPr>
-            <a:spLocks noGrp="1"/>
-          </p:cNvSpPr>
-          <p:nvPr>
-            <p:ph idx="1"/>
-          </p:nvPr>
-        </p:nvSpPr>
-        <p:spPr/>
-        <p:txBody>
-          <a:bodyPr/>
+      <p:graphicFrame>
+        <p:nvGraphicFramePr>
+          <p:cNvPr id="8" name="Table 7"/>
+          <p:cNvGraphicFramePr>
+            <a:graphicFrameLocks noGrp="1"/>
+          </p:cNvGraphicFramePr>
+          <p:nvPr>
+            <p:extLst>
+              <p:ext uri="{D42A27DB-BD31-4B8C-83A1-F6EECF244321}">
+                <p14:modId xmlns:p14="http://schemas.microsoft.com/office/powerpoint/2010/main" val="1274859263"/>
+              </p:ext>
+            </p:extLst>
+          </p:nvPr>
+        </p:nvGraphicFramePr>
+        <p:xfrm>
+          <a:off x="805566" y="2359076"/>
+          <a:ext cx="8072228" cy="3032760"/>
+        </p:xfrm>
+        <a:graphic>
+          <a:graphicData uri="http://schemas.openxmlformats.org/drawingml/2006/table">
+            <a:tbl>
+              <a:tblPr firstRow="1" bandRow="1">
+                <a:tableStyleId>{2D5ABB26-0587-4C30-8999-92F81FD0307C}</a:tableStyleId>
+              </a:tblPr>
+              <a:tblGrid>
+                <a:gridCol w="1939879"/>
+                <a:gridCol w="1744769"/>
+                <a:gridCol w="4387580"/>
+              </a:tblGrid>
+              <a:tr h="370840">
+                <a:tc>
+                  <a:txBody>
+                    <a:bodyPr/>
+                    <a:lstStyle/>
+                    <a:p>
+                      <a:endParaRPr lang="en-US" dirty="0"/>
+                    </a:p>
+                  </a:txBody>
+                  <a:tcPr>
+                    <a:lnL w="12700" cap="flat" cmpd="sng" algn="ctr">
+                      <a:solidFill>
+                        <a:scrgbClr r="0" g="0" b="0"/>
+                      </a:solidFill>
+                      <a:prstDash val="solid"/>
+                      <a:round/>
+                      <a:headEnd type="none" w="med" len="med"/>
+                      <a:tailEnd type="none" w="med" len="med"/>
+                    </a:lnL>
+                    <a:lnR w="12700" cap="flat" cmpd="sng" algn="ctr">
+                      <a:solidFill>
+                        <a:scrgbClr r="0" g="0" b="0"/>
+                      </a:solidFill>
+                      <a:prstDash val="solid"/>
+                      <a:round/>
+                      <a:headEnd type="none" w="med" len="med"/>
+                      <a:tailEnd type="none" w="med" len="med"/>
+                    </a:lnR>
+                    <a:lnT w="12700" cap="flat" cmpd="sng" algn="ctr">
+                      <a:solidFill>
+                        <a:scrgbClr r="0" g="0" b="0"/>
+                      </a:solidFill>
+                      <a:prstDash val="solid"/>
+                      <a:round/>
+                      <a:headEnd type="none" w="med" len="med"/>
+                      <a:tailEnd type="none" w="med" len="med"/>
+                    </a:lnT>
+                    <a:lnB w="12700" cap="flat" cmpd="sng" algn="ctr">
+                      <a:solidFill>
+                        <a:scrgbClr r="0" g="0" b="0"/>
+                      </a:solidFill>
+                      <a:prstDash val="solid"/>
+                      <a:round/>
+                      <a:headEnd type="none" w="med" len="med"/>
+                      <a:tailEnd type="none" w="med" len="med"/>
+                    </a:lnB>
+                  </a:tcPr>
+                </a:tc>
+                <a:tc>
+                  <a:txBody>
+                    <a:bodyPr/>
+                    <a:lstStyle/>
+                    <a:p>
+                      <a:r>
+                        <a:rPr lang="en-US" dirty="0" smtClean="0"/>
+                        <a:t>Stack address</a:t>
+                      </a:r>
+                      <a:endParaRPr lang="en-US" dirty="0"/>
+                    </a:p>
+                  </a:txBody>
+                  <a:tcPr>
+                    <a:lnL w="12700" cap="flat" cmpd="sng" algn="ctr">
+                      <a:solidFill>
+                        <a:scrgbClr r="0" g="0" b="0"/>
+                      </a:solidFill>
+                      <a:prstDash val="solid"/>
+                      <a:round/>
+                      <a:headEnd type="none" w="med" len="med"/>
+                      <a:tailEnd type="none" w="med" len="med"/>
+                    </a:lnL>
+                    <a:lnR w="12700" cap="flat" cmpd="sng" algn="ctr">
+                      <a:solidFill>
+                        <a:scrgbClr r="0" g="0" b="0"/>
+                      </a:solidFill>
+                      <a:prstDash val="solid"/>
+                      <a:round/>
+                      <a:headEnd type="none" w="med" len="med"/>
+                      <a:tailEnd type="none" w="med" len="med"/>
+                    </a:lnR>
+                    <a:lnT w="12700" cap="flat" cmpd="sng" algn="ctr">
+                      <a:solidFill>
+                        <a:scrgbClr r="0" g="0" b="0"/>
+                      </a:solidFill>
+                      <a:prstDash val="solid"/>
+                      <a:round/>
+                      <a:headEnd type="none" w="med" len="med"/>
+                      <a:tailEnd type="none" w="med" len="med"/>
+                    </a:lnT>
+                    <a:lnB w="12700" cap="flat" cmpd="sng" algn="ctr">
+                      <a:solidFill>
+                        <a:scrgbClr r="0" g="0" b="0"/>
+                      </a:solidFill>
+                      <a:prstDash val="solid"/>
+                      <a:round/>
+                      <a:headEnd type="none" w="med" len="med"/>
+                      <a:tailEnd type="none" w="med" len="med"/>
+                    </a:lnB>
+                  </a:tcPr>
+                </a:tc>
+                <a:tc>
+                  <a:txBody>
+                    <a:bodyPr/>
+                    <a:lstStyle/>
+                    <a:p>
+                      <a:r>
+                        <a:rPr lang="en-US" dirty="0" smtClean="0"/>
+                        <a:t>Stack Value</a:t>
+                      </a:r>
+                      <a:endParaRPr lang="en-US" dirty="0"/>
+                    </a:p>
+                  </a:txBody>
+                  <a:tcPr>
+                    <a:lnL w="12700" cap="flat" cmpd="sng" algn="ctr">
+                      <a:solidFill>
+                        <a:scrgbClr r="0" g="0" b="0"/>
+                      </a:solidFill>
+                      <a:prstDash val="solid"/>
+                      <a:round/>
+                      <a:headEnd type="none" w="med" len="med"/>
+                      <a:tailEnd type="none" w="med" len="med"/>
+                    </a:lnL>
+                    <a:lnR w="12700" cap="flat" cmpd="sng" algn="ctr">
+                      <a:solidFill>
+                        <a:scrgbClr r="0" g="0" b="0"/>
+                      </a:solidFill>
+                      <a:prstDash val="solid"/>
+                      <a:round/>
+                      <a:headEnd type="none" w="med" len="med"/>
+                      <a:tailEnd type="none" w="med" len="med"/>
+                    </a:lnR>
+                    <a:lnT w="12700" cap="flat" cmpd="sng" algn="ctr">
+                      <a:solidFill>
+                        <a:scrgbClr r="0" g="0" b="0"/>
+                      </a:solidFill>
+                      <a:prstDash val="solid"/>
+                      <a:round/>
+                      <a:headEnd type="none" w="med" len="med"/>
+                      <a:tailEnd type="none" w="med" len="med"/>
+                    </a:lnT>
+                    <a:lnB w="12700" cap="flat" cmpd="sng" algn="ctr">
+                      <a:solidFill>
+                        <a:scrgbClr r="0" g="0" b="0"/>
+                      </a:solidFill>
+                      <a:prstDash val="solid"/>
+                      <a:round/>
+                      <a:headEnd type="none" w="med" len="med"/>
+                      <a:tailEnd type="none" w="med" len="med"/>
+                    </a:lnB>
+                  </a:tcPr>
+                </a:tc>
+              </a:tr>
+              <a:tr h="370840">
+                <a:tc>
+                  <a:txBody>
+                    <a:bodyPr/>
+                    <a:lstStyle/>
+                    <a:p>
+                      <a:r>
+                        <a:rPr lang="en-US" dirty="0" smtClean="0"/>
+                        <a:t>Before RET,</a:t>
+                      </a:r>
+                    </a:p>
+                    <a:p>
+                      <a:r>
+                        <a:rPr lang="en-US" dirty="0" smtClean="0"/>
+                        <a:t>ESP points here -&gt;</a:t>
+                      </a:r>
+                      <a:endParaRPr lang="en-US" dirty="0"/>
+                    </a:p>
+                  </a:txBody>
+                  <a:tcPr>
+                    <a:lnL w="12700" cap="flat" cmpd="sng" algn="ctr">
+                      <a:solidFill>
+                        <a:scrgbClr r="0" g="0" b="0"/>
+                      </a:solidFill>
+                      <a:prstDash val="solid"/>
+                      <a:round/>
+                      <a:headEnd type="none" w="med" len="med"/>
+                      <a:tailEnd type="none" w="med" len="med"/>
+                    </a:lnL>
+                    <a:lnR w="12700" cap="flat" cmpd="sng" algn="ctr">
+                      <a:solidFill>
+                        <a:scrgbClr r="0" g="0" b="0"/>
+                      </a:solidFill>
+                      <a:prstDash val="solid"/>
+                      <a:round/>
+                      <a:headEnd type="none" w="med" len="med"/>
+                      <a:tailEnd type="none" w="med" len="med"/>
+                    </a:lnR>
+                    <a:lnT w="12700" cap="flat" cmpd="sng" algn="ctr">
+                      <a:solidFill>
+                        <a:scrgbClr r="0" g="0" b="0"/>
+                      </a:solidFill>
+                      <a:prstDash val="solid"/>
+                      <a:round/>
+                      <a:headEnd type="none" w="med" len="med"/>
+                      <a:tailEnd type="none" w="med" len="med"/>
+                    </a:lnT>
+                    <a:lnB w="12700" cap="flat" cmpd="sng" algn="ctr">
+                      <a:solidFill>
+                        <a:scrgbClr r="0" g="0" b="0"/>
+                      </a:solidFill>
+                      <a:prstDash val="solid"/>
+                      <a:round/>
+                      <a:headEnd type="none" w="med" len="med"/>
+                      <a:tailEnd type="none" w="med" len="med"/>
+                    </a:lnB>
+                  </a:tcPr>
+                </a:tc>
+                <a:tc>
+                  <a:txBody>
+                    <a:bodyPr/>
+                    <a:lstStyle/>
+                    <a:p>
+                      <a:r>
+                        <a:rPr lang="en-US" dirty="0" smtClean="0"/>
+                        <a:t>0010F730</a:t>
+                      </a:r>
+                      <a:endParaRPr lang="en-US" dirty="0"/>
+                    </a:p>
+                  </a:txBody>
+                  <a:tcPr>
+                    <a:lnL w="12700" cap="flat" cmpd="sng" algn="ctr">
+                      <a:solidFill>
+                        <a:scrgbClr r="0" g="0" b="0"/>
+                      </a:solidFill>
+                      <a:prstDash val="solid"/>
+                      <a:round/>
+                      <a:headEnd type="none" w="med" len="med"/>
+                      <a:tailEnd type="none" w="med" len="med"/>
+                    </a:lnL>
+                    <a:lnR w="12700" cap="flat" cmpd="sng" algn="ctr">
+                      <a:solidFill>
+                        <a:scrgbClr r="0" g="0" b="0"/>
+                      </a:solidFill>
+                      <a:prstDash val="solid"/>
+                      <a:round/>
+                      <a:headEnd type="none" w="med" len="med"/>
+                      <a:tailEnd type="none" w="med" len="med"/>
+                    </a:lnR>
+                    <a:lnT w="12700" cap="flat" cmpd="sng" algn="ctr">
+                      <a:solidFill>
+                        <a:scrgbClr r="0" g="0" b="0"/>
+                      </a:solidFill>
+                      <a:prstDash val="solid"/>
+                      <a:round/>
+                      <a:headEnd type="none" w="med" len="med"/>
+                      <a:tailEnd type="none" w="med" len="med"/>
+                    </a:lnT>
+                    <a:lnB w="12700" cap="flat" cmpd="sng" algn="ctr">
+                      <a:solidFill>
+                        <a:scrgbClr r="0" g="0" b="0"/>
+                      </a:solidFill>
+                      <a:prstDash val="solid"/>
+                      <a:round/>
+                      <a:headEnd type="none" w="med" len="med"/>
+                      <a:tailEnd type="none" w="med" len="med"/>
+                    </a:lnB>
+                  </a:tcPr>
+                </a:tc>
+                <a:tc>
+                  <a:txBody>
+                    <a:bodyPr/>
+                    <a:lstStyle/>
+                    <a:p>
+                      <a:r>
+                        <a:rPr lang="en-US" dirty="0" smtClean="0"/>
+                        <a:t>10026D56 (pointer to POP EAX + RET)</a:t>
+                      </a:r>
+                      <a:endParaRPr lang="en-US" dirty="0"/>
+                    </a:p>
+                  </a:txBody>
+                  <a:tcPr>
+                    <a:lnL w="12700" cap="flat" cmpd="sng" algn="ctr">
+                      <a:solidFill>
+                        <a:scrgbClr r="0" g="0" b="0"/>
+                      </a:solidFill>
+                      <a:prstDash val="solid"/>
+                      <a:round/>
+                      <a:headEnd type="none" w="med" len="med"/>
+                      <a:tailEnd type="none" w="med" len="med"/>
+                    </a:lnL>
+                    <a:lnR w="12700" cap="flat" cmpd="sng" algn="ctr">
+                      <a:solidFill>
+                        <a:scrgbClr r="0" g="0" b="0"/>
+                      </a:solidFill>
+                      <a:prstDash val="solid"/>
+                      <a:round/>
+                      <a:headEnd type="none" w="med" len="med"/>
+                      <a:tailEnd type="none" w="med" len="med"/>
+                    </a:lnR>
+                    <a:lnT w="12700" cap="flat" cmpd="sng" algn="ctr">
+                      <a:solidFill>
+                        <a:scrgbClr r="0" g="0" b="0"/>
+                      </a:solidFill>
+                      <a:prstDash val="solid"/>
+                      <a:round/>
+                      <a:headEnd type="none" w="med" len="med"/>
+                      <a:tailEnd type="none" w="med" len="med"/>
+                    </a:lnT>
+                    <a:lnB w="12700" cap="flat" cmpd="sng" algn="ctr">
+                      <a:solidFill>
+                        <a:scrgbClr r="0" g="0" b="0"/>
+                      </a:solidFill>
+                      <a:prstDash val="solid"/>
+                      <a:round/>
+                      <a:headEnd type="none" w="med" len="med"/>
+                      <a:tailEnd type="none" w="med" len="med"/>
+                    </a:lnB>
+                  </a:tcPr>
+                </a:tc>
+              </a:tr>
+              <a:tr h="370840">
+                <a:tc>
+                  <a:txBody>
+                    <a:bodyPr/>
+                    <a:lstStyle/>
+                    <a:p>
+                      <a:endParaRPr lang="en-US" dirty="0"/>
+                    </a:p>
+                  </a:txBody>
+                  <a:tcPr>
+                    <a:lnL w="12700" cap="flat" cmpd="sng" algn="ctr">
+                      <a:solidFill>
+                        <a:scrgbClr r="0" g="0" b="0"/>
+                      </a:solidFill>
+                      <a:prstDash val="solid"/>
+                      <a:round/>
+                      <a:headEnd type="none" w="med" len="med"/>
+                      <a:tailEnd type="none" w="med" len="med"/>
+                    </a:lnL>
+                    <a:lnR w="12700" cap="flat" cmpd="sng" algn="ctr">
+                      <a:solidFill>
+                        <a:scrgbClr r="0" g="0" b="0"/>
+                      </a:solidFill>
+                      <a:prstDash val="solid"/>
+                      <a:round/>
+                      <a:headEnd type="none" w="med" len="med"/>
+                      <a:tailEnd type="none" w="med" len="med"/>
+                    </a:lnR>
+                    <a:lnT w="12700" cap="flat" cmpd="sng" algn="ctr">
+                      <a:solidFill>
+                        <a:scrgbClr r="0" g="0" b="0"/>
+                      </a:solidFill>
+                      <a:prstDash val="solid"/>
+                      <a:round/>
+                      <a:headEnd type="none" w="med" len="med"/>
+                      <a:tailEnd type="none" w="med" len="med"/>
+                    </a:lnT>
+                    <a:lnB w="12700" cap="flat" cmpd="sng" algn="ctr">
+                      <a:solidFill>
+                        <a:scrgbClr r="0" g="0" b="0"/>
+                      </a:solidFill>
+                      <a:prstDash val="solid"/>
+                      <a:round/>
+                      <a:headEnd type="none" w="med" len="med"/>
+                      <a:tailEnd type="none" w="med" len="med"/>
+                    </a:lnB>
+                  </a:tcPr>
+                </a:tc>
+                <a:tc>
+                  <a:txBody>
+                    <a:bodyPr/>
+                    <a:lstStyle/>
+                    <a:p>
+                      <a:r>
+                        <a:rPr lang="en-US" dirty="0" smtClean="0"/>
+                        <a:t>0010F734</a:t>
+                      </a:r>
+                      <a:endParaRPr lang="en-US" dirty="0"/>
+                    </a:p>
+                  </a:txBody>
+                  <a:tcPr>
+                    <a:lnL w="12700" cap="flat" cmpd="sng" algn="ctr">
+                      <a:solidFill>
+                        <a:scrgbClr r="0" g="0" b="0"/>
+                      </a:solidFill>
+                      <a:prstDash val="solid"/>
+                      <a:round/>
+                      <a:headEnd type="none" w="med" len="med"/>
+                      <a:tailEnd type="none" w="med" len="med"/>
+                    </a:lnL>
+                    <a:lnR w="12700" cap="flat" cmpd="sng" algn="ctr">
+                      <a:solidFill>
+                        <a:scrgbClr r="0" g="0" b="0"/>
+                      </a:solidFill>
+                      <a:prstDash val="solid"/>
+                      <a:round/>
+                      <a:headEnd type="none" w="med" len="med"/>
+                      <a:tailEnd type="none" w="med" len="med"/>
+                    </a:lnR>
+                    <a:lnT w="12700" cap="flat" cmpd="sng" algn="ctr">
+                      <a:solidFill>
+                        <a:scrgbClr r="0" g="0" b="0"/>
+                      </a:solidFill>
+                      <a:prstDash val="solid"/>
+                      <a:round/>
+                      <a:headEnd type="none" w="med" len="med"/>
+                      <a:tailEnd type="none" w="med" len="med"/>
+                    </a:lnT>
+                    <a:lnB w="12700" cap="flat" cmpd="sng" algn="ctr">
+                      <a:solidFill>
+                        <a:scrgbClr r="0" g="0" b="0"/>
+                      </a:solidFill>
+                      <a:prstDash val="solid"/>
+                      <a:round/>
+                      <a:headEnd type="none" w="med" len="med"/>
+                      <a:tailEnd type="none" w="med" len="med"/>
+                    </a:lnB>
+                  </a:tcPr>
+                </a:tc>
+                <a:tc>
+                  <a:txBody>
+                    <a:bodyPr/>
+                    <a:lstStyle/>
+                    <a:p>
+                      <a:r>
+                        <a:rPr lang="en-US" dirty="0" smtClean="0"/>
+                        <a:t>50505050 (this will be popped into EAX)</a:t>
+                      </a:r>
+                      <a:endParaRPr lang="en-US" dirty="0"/>
+                    </a:p>
+                  </a:txBody>
+                  <a:tcPr>
+                    <a:lnL w="12700" cap="flat" cmpd="sng" algn="ctr">
+                      <a:solidFill>
+                        <a:scrgbClr r="0" g="0" b="0"/>
+                      </a:solidFill>
+                      <a:prstDash val="solid"/>
+                      <a:round/>
+                      <a:headEnd type="none" w="med" len="med"/>
+                      <a:tailEnd type="none" w="med" len="med"/>
+                    </a:lnL>
+                    <a:lnR w="12700" cap="flat" cmpd="sng" algn="ctr">
+                      <a:solidFill>
+                        <a:scrgbClr r="0" g="0" b="0"/>
+                      </a:solidFill>
+                      <a:prstDash val="solid"/>
+                      <a:round/>
+                      <a:headEnd type="none" w="med" len="med"/>
+                      <a:tailEnd type="none" w="med" len="med"/>
+                    </a:lnR>
+                    <a:lnT w="12700" cap="flat" cmpd="sng" algn="ctr">
+                      <a:solidFill>
+                        <a:scrgbClr r="0" g="0" b="0"/>
+                      </a:solidFill>
+                      <a:prstDash val="solid"/>
+                      <a:round/>
+                      <a:headEnd type="none" w="med" len="med"/>
+                      <a:tailEnd type="none" w="med" len="med"/>
+                    </a:lnT>
+                    <a:lnB w="12700" cap="flat" cmpd="sng" algn="ctr">
+                      <a:solidFill>
+                        <a:scrgbClr r="0" g="0" b="0"/>
+                      </a:solidFill>
+                      <a:prstDash val="solid"/>
+                      <a:round/>
+                      <a:headEnd type="none" w="med" len="med"/>
+                      <a:tailEnd type="none" w="med" len="med"/>
+                    </a:lnB>
+                  </a:tcPr>
+                </a:tc>
+              </a:tr>
+              <a:tr h="370840">
+                <a:tc>
+                  <a:txBody>
+                    <a:bodyPr/>
+                    <a:lstStyle/>
+                    <a:p>
+                      <a:endParaRPr lang="en-US"/>
+                    </a:p>
+                  </a:txBody>
+                  <a:tcPr>
+                    <a:lnL w="12700" cap="flat" cmpd="sng" algn="ctr">
+                      <a:solidFill>
+                        <a:scrgbClr r="0" g="0" b="0"/>
+                      </a:solidFill>
+                      <a:prstDash val="solid"/>
+                      <a:round/>
+                      <a:headEnd type="none" w="med" len="med"/>
+                      <a:tailEnd type="none" w="med" len="med"/>
+                    </a:lnL>
+                    <a:lnR w="12700" cap="flat" cmpd="sng" algn="ctr">
+                      <a:solidFill>
+                        <a:scrgbClr r="0" g="0" b="0"/>
+                      </a:solidFill>
+                      <a:prstDash val="solid"/>
+                      <a:round/>
+                      <a:headEnd type="none" w="med" len="med"/>
+                      <a:tailEnd type="none" w="med" len="med"/>
+                    </a:lnR>
+                    <a:lnT w="12700" cap="flat" cmpd="sng" algn="ctr">
+                      <a:solidFill>
+                        <a:scrgbClr r="0" g="0" b="0"/>
+                      </a:solidFill>
+                      <a:prstDash val="solid"/>
+                      <a:round/>
+                      <a:headEnd type="none" w="med" len="med"/>
+                      <a:tailEnd type="none" w="med" len="med"/>
+                    </a:lnT>
+                    <a:lnB w="12700" cap="flat" cmpd="sng" algn="ctr">
+                      <a:solidFill>
+                        <a:scrgbClr r="0" g="0" b="0"/>
+                      </a:solidFill>
+                      <a:prstDash val="solid"/>
+                      <a:round/>
+                      <a:headEnd type="none" w="med" len="med"/>
+                      <a:tailEnd type="none" w="med" len="med"/>
+                    </a:lnB>
+                  </a:tcPr>
+                </a:tc>
+                <a:tc>
+                  <a:txBody>
+                    <a:bodyPr/>
+                    <a:lstStyle/>
+                    <a:p>
+                      <a:r>
+                        <a:rPr lang="en-US" dirty="0" smtClean="0"/>
+                        <a:t>0010F738</a:t>
+                      </a:r>
+                      <a:endParaRPr lang="en-US" dirty="0"/>
+                    </a:p>
+                  </a:txBody>
+                  <a:tcPr>
+                    <a:lnL w="12700" cap="flat" cmpd="sng" algn="ctr">
+                      <a:solidFill>
+                        <a:scrgbClr r="0" g="0" b="0"/>
+                      </a:solidFill>
+                      <a:prstDash val="solid"/>
+                      <a:round/>
+                      <a:headEnd type="none" w="med" len="med"/>
+                      <a:tailEnd type="none" w="med" len="med"/>
+                    </a:lnL>
+                    <a:lnR w="12700" cap="flat" cmpd="sng" algn="ctr">
+                      <a:solidFill>
+                        <a:scrgbClr r="0" g="0" b="0"/>
+                      </a:solidFill>
+                      <a:prstDash val="solid"/>
+                      <a:round/>
+                      <a:headEnd type="none" w="med" len="med"/>
+                      <a:tailEnd type="none" w="med" len="med"/>
+                    </a:lnR>
+                    <a:lnT w="12700" cap="flat" cmpd="sng" algn="ctr">
+                      <a:solidFill>
+                        <a:scrgbClr r="0" g="0" b="0"/>
+                      </a:solidFill>
+                      <a:prstDash val="solid"/>
+                      <a:round/>
+                      <a:headEnd type="none" w="med" len="med"/>
+                      <a:tailEnd type="none" w="med" len="med"/>
+                    </a:lnT>
+                    <a:lnB w="12700" cap="flat" cmpd="sng" algn="ctr">
+                      <a:solidFill>
+                        <a:scrgbClr r="0" g="0" b="0"/>
+                      </a:solidFill>
+                      <a:prstDash val="solid"/>
+                      <a:round/>
+                      <a:headEnd type="none" w="med" len="med"/>
+                      <a:tailEnd type="none" w="med" len="med"/>
+                    </a:lnB>
+                  </a:tcPr>
+                </a:tc>
+                <a:tc>
+                  <a:txBody>
+                    <a:bodyPr/>
+                    <a:lstStyle/>
+                    <a:p>
+                      <a:r>
+                        <a:rPr lang="en-US" dirty="0" smtClean="0"/>
+                        <a:t>1002DC24 (pointer to ADD EAX,80  + POP EBX + RET)</a:t>
+                      </a:r>
+                      <a:endParaRPr lang="en-US" dirty="0"/>
+                    </a:p>
+                  </a:txBody>
+                  <a:tcPr>
+                    <a:lnL w="12700" cap="flat" cmpd="sng" algn="ctr">
+                      <a:solidFill>
+                        <a:scrgbClr r="0" g="0" b="0"/>
+                      </a:solidFill>
+                      <a:prstDash val="solid"/>
+                      <a:round/>
+                      <a:headEnd type="none" w="med" len="med"/>
+                      <a:tailEnd type="none" w="med" len="med"/>
+                    </a:lnL>
+                    <a:lnR w="12700" cap="flat" cmpd="sng" algn="ctr">
+                      <a:solidFill>
+                        <a:scrgbClr r="0" g="0" b="0"/>
+                      </a:solidFill>
+                      <a:prstDash val="solid"/>
+                      <a:round/>
+                      <a:headEnd type="none" w="med" len="med"/>
+                      <a:tailEnd type="none" w="med" len="med"/>
+                    </a:lnR>
+                    <a:lnT w="12700" cap="flat" cmpd="sng" algn="ctr">
+                      <a:solidFill>
+                        <a:scrgbClr r="0" g="0" b="0"/>
+                      </a:solidFill>
+                      <a:prstDash val="solid"/>
+                      <a:round/>
+                      <a:headEnd type="none" w="med" len="med"/>
+                      <a:tailEnd type="none" w="med" len="med"/>
+                    </a:lnT>
+                    <a:lnB w="12700" cap="flat" cmpd="sng" algn="ctr">
+                      <a:solidFill>
+                        <a:scrgbClr r="0" g="0" b="0"/>
+                      </a:solidFill>
+                      <a:prstDash val="solid"/>
+                      <a:round/>
+                      <a:headEnd type="none" w="med" len="med"/>
+                      <a:tailEnd type="none" w="med" len="med"/>
+                    </a:lnB>
+                  </a:tcPr>
+                </a:tc>
+              </a:tr>
+              <a:tr h="370840">
+                <a:tc>
+                  <a:txBody>
+                    <a:bodyPr/>
+                    <a:lstStyle/>
+                    <a:p>
+                      <a:endParaRPr lang="en-US"/>
+                    </a:p>
+                  </a:txBody>
+                  <a:tcPr>
+                    <a:lnL w="12700" cap="flat" cmpd="sng" algn="ctr">
+                      <a:solidFill>
+                        <a:scrgbClr r="0" g="0" b="0"/>
+                      </a:solidFill>
+                      <a:prstDash val="solid"/>
+                      <a:round/>
+                      <a:headEnd type="none" w="med" len="med"/>
+                      <a:tailEnd type="none" w="med" len="med"/>
+                    </a:lnL>
+                    <a:lnR w="12700" cap="flat" cmpd="sng" algn="ctr">
+                      <a:solidFill>
+                        <a:scrgbClr r="0" g="0" b="0"/>
+                      </a:solidFill>
+                      <a:prstDash val="solid"/>
+                      <a:round/>
+                      <a:headEnd type="none" w="med" len="med"/>
+                      <a:tailEnd type="none" w="med" len="med"/>
+                    </a:lnR>
+                    <a:lnT w="12700" cap="flat" cmpd="sng" algn="ctr">
+                      <a:solidFill>
+                        <a:scrgbClr r="0" g="0" b="0"/>
+                      </a:solidFill>
+                      <a:prstDash val="solid"/>
+                      <a:round/>
+                      <a:headEnd type="none" w="med" len="med"/>
+                      <a:tailEnd type="none" w="med" len="med"/>
+                    </a:lnT>
+                    <a:lnB w="12700" cap="flat" cmpd="sng" algn="ctr">
+                      <a:solidFill>
+                        <a:scrgbClr r="0" g="0" b="0"/>
+                      </a:solidFill>
+                      <a:prstDash val="solid"/>
+                      <a:round/>
+                      <a:headEnd type="none" w="med" len="med"/>
+                      <a:tailEnd type="none" w="med" len="med"/>
+                    </a:lnB>
+                  </a:tcPr>
+                </a:tc>
+                <a:tc>
+                  <a:txBody>
+                    <a:bodyPr/>
+                    <a:lstStyle/>
+                    <a:p>
+                      <a:r>
+                        <a:rPr lang="en-US" dirty="0" smtClean="0"/>
+                        <a:t>0010F73C</a:t>
+                      </a:r>
+                      <a:endParaRPr lang="en-US" dirty="0"/>
+                    </a:p>
+                  </a:txBody>
+                  <a:tcPr>
+                    <a:lnL w="12700" cap="flat" cmpd="sng" algn="ctr">
+                      <a:solidFill>
+                        <a:scrgbClr r="0" g="0" b="0"/>
+                      </a:solidFill>
+                      <a:prstDash val="solid"/>
+                      <a:round/>
+                      <a:headEnd type="none" w="med" len="med"/>
+                      <a:tailEnd type="none" w="med" len="med"/>
+                    </a:lnL>
+                    <a:lnR w="12700" cap="flat" cmpd="sng" algn="ctr">
+                      <a:solidFill>
+                        <a:scrgbClr r="0" g="0" b="0"/>
+                      </a:solidFill>
+                      <a:prstDash val="solid"/>
+                      <a:round/>
+                      <a:headEnd type="none" w="med" len="med"/>
+                      <a:tailEnd type="none" w="med" len="med"/>
+                    </a:lnR>
+                    <a:lnT w="12700" cap="flat" cmpd="sng" algn="ctr">
+                      <a:solidFill>
+                        <a:scrgbClr r="0" g="0" b="0"/>
+                      </a:solidFill>
+                      <a:prstDash val="solid"/>
+                      <a:round/>
+                      <a:headEnd type="none" w="med" len="med"/>
+                      <a:tailEnd type="none" w="med" len="med"/>
+                    </a:lnT>
+                    <a:lnB w="12700" cap="flat" cmpd="sng" algn="ctr">
+                      <a:solidFill>
+                        <a:scrgbClr r="0" g="0" b="0"/>
+                      </a:solidFill>
+                      <a:prstDash val="solid"/>
+                      <a:round/>
+                      <a:headEnd type="none" w="med" len="med"/>
+                      <a:tailEnd type="none" w="med" len="med"/>
+                    </a:lnB>
+                  </a:tcPr>
+                </a:tc>
+                <a:tc>
+                  <a:txBody>
+                    <a:bodyPr/>
+                    <a:lstStyle/>
+                    <a:p>
+                      <a:r>
+                        <a:rPr lang="en-US" dirty="0" smtClean="0"/>
+                        <a:t>DEADBEEF (this will be popped into EBX, padding)</a:t>
+                      </a:r>
+                      <a:endParaRPr lang="en-US" dirty="0"/>
+                    </a:p>
+                  </a:txBody>
+                  <a:tcPr>
+                    <a:lnL w="12700" cap="flat" cmpd="sng" algn="ctr">
+                      <a:solidFill>
+                        <a:scrgbClr r="0" g="0" b="0"/>
+                      </a:solidFill>
+                      <a:prstDash val="solid"/>
+                      <a:round/>
+                      <a:headEnd type="none" w="med" len="med"/>
+                      <a:tailEnd type="none" w="med" len="med"/>
+                    </a:lnL>
+                    <a:lnR w="12700" cap="flat" cmpd="sng" algn="ctr">
+                      <a:solidFill>
+                        <a:scrgbClr r="0" g="0" b="0"/>
+                      </a:solidFill>
+                      <a:prstDash val="solid"/>
+                      <a:round/>
+                      <a:headEnd type="none" w="med" len="med"/>
+                      <a:tailEnd type="none" w="med" len="med"/>
+                    </a:lnR>
+                    <a:lnT w="12700" cap="flat" cmpd="sng" algn="ctr">
+                      <a:solidFill>
+                        <a:scrgbClr r="0" g="0" b="0"/>
+                      </a:solidFill>
+                      <a:prstDash val="solid"/>
+                      <a:round/>
+                      <a:headEnd type="none" w="med" len="med"/>
+                      <a:tailEnd type="none" w="med" len="med"/>
+                    </a:lnT>
+                    <a:lnB w="12700" cap="flat" cmpd="sng" algn="ctr">
+                      <a:solidFill>
+                        <a:scrgbClr r="0" g="0" b="0"/>
+                      </a:solidFill>
+                      <a:prstDash val="solid"/>
+                      <a:round/>
+                      <a:headEnd type="none" w="med" len="med"/>
+                      <a:tailEnd type="none" w="med" len="med"/>
+                    </a:lnB>
+                  </a:tcPr>
+                </a:tc>
+              </a:tr>
+              <a:tr h="370840">
+                <a:tc>
+                  <a:txBody>
+                    <a:bodyPr/>
+                    <a:lstStyle/>
+                    <a:p>
+                      <a:endParaRPr lang="en-US" dirty="0"/>
+                    </a:p>
+                  </a:txBody>
+                  <a:tcPr>
+                    <a:lnL w="12700" cap="flat" cmpd="sng" algn="ctr">
+                      <a:solidFill>
+                        <a:scrgbClr r="0" g="0" b="0"/>
+                      </a:solidFill>
+                      <a:prstDash val="solid"/>
+                      <a:round/>
+                      <a:headEnd type="none" w="med" len="med"/>
+                      <a:tailEnd type="none" w="med" len="med"/>
+                    </a:lnL>
+                    <a:lnR w="12700" cap="flat" cmpd="sng" algn="ctr">
+                      <a:solidFill>
+                        <a:scrgbClr r="0" g="0" b="0"/>
+                      </a:solidFill>
+                      <a:prstDash val="solid"/>
+                      <a:round/>
+                      <a:headEnd type="none" w="med" len="med"/>
+                      <a:tailEnd type="none" w="med" len="med"/>
+                    </a:lnR>
+                    <a:lnT w="12700" cap="flat" cmpd="sng" algn="ctr">
+                      <a:solidFill>
+                        <a:scrgbClr r="0" g="0" b="0"/>
+                      </a:solidFill>
+                      <a:prstDash val="solid"/>
+                      <a:round/>
+                      <a:headEnd type="none" w="med" len="med"/>
+                      <a:tailEnd type="none" w="med" len="med"/>
+                    </a:lnT>
+                    <a:lnB w="12700" cap="flat" cmpd="sng" algn="ctr">
+                      <a:solidFill>
+                        <a:scrgbClr r="0" g="0" b="0"/>
+                      </a:solidFill>
+                      <a:prstDash val="solid"/>
+                      <a:round/>
+                      <a:headEnd type="none" w="med" len="med"/>
+                      <a:tailEnd type="none" w="med" len="med"/>
+                    </a:lnB>
+                  </a:tcPr>
+                </a:tc>
+                <a:tc>
+                  <a:txBody>
+                    <a:bodyPr/>
+                    <a:lstStyle/>
+                    <a:p>
+                      <a:r>
+                        <a:rPr lang="en-US" dirty="0" smtClean="0"/>
+                        <a:t>….</a:t>
+                      </a:r>
+                      <a:endParaRPr lang="en-US" dirty="0"/>
+                    </a:p>
+                  </a:txBody>
+                  <a:tcPr>
+                    <a:lnL w="12700" cap="flat" cmpd="sng" algn="ctr">
+                      <a:solidFill>
+                        <a:scrgbClr r="0" g="0" b="0"/>
+                      </a:solidFill>
+                      <a:prstDash val="solid"/>
+                      <a:round/>
+                      <a:headEnd type="none" w="med" len="med"/>
+                      <a:tailEnd type="none" w="med" len="med"/>
+                    </a:lnL>
+                    <a:lnR w="12700" cap="flat" cmpd="sng" algn="ctr">
+                      <a:solidFill>
+                        <a:scrgbClr r="0" g="0" b="0"/>
+                      </a:solidFill>
+                      <a:prstDash val="solid"/>
+                      <a:round/>
+                      <a:headEnd type="none" w="med" len="med"/>
+                      <a:tailEnd type="none" w="med" len="med"/>
+                    </a:lnR>
+                    <a:lnT w="12700" cap="flat" cmpd="sng" algn="ctr">
+                      <a:solidFill>
+                        <a:scrgbClr r="0" g="0" b="0"/>
+                      </a:solidFill>
+                      <a:prstDash val="solid"/>
+                      <a:round/>
+                      <a:headEnd type="none" w="med" len="med"/>
+                      <a:tailEnd type="none" w="med" len="med"/>
+                    </a:lnT>
+                    <a:lnB w="12700" cap="flat" cmpd="sng" algn="ctr">
+                      <a:solidFill>
+                        <a:scrgbClr r="0" g="0" b="0"/>
+                      </a:solidFill>
+                      <a:prstDash val="solid"/>
+                      <a:round/>
+                      <a:headEnd type="none" w="med" len="med"/>
+                      <a:tailEnd type="none" w="med" len="med"/>
+                    </a:lnB>
+                  </a:tcPr>
+                </a:tc>
+                <a:tc>
+                  <a:txBody>
+                    <a:bodyPr/>
+                    <a:lstStyle/>
+                    <a:p>
+                      <a:r>
+                        <a:rPr lang="en-US" dirty="0" smtClean="0"/>
+                        <a:t>…and so on</a:t>
+                      </a:r>
+                      <a:endParaRPr lang="en-US" dirty="0"/>
+                    </a:p>
+                  </a:txBody>
+                  <a:tcPr>
+                    <a:lnL w="12700" cap="flat" cmpd="sng" algn="ctr">
+                      <a:solidFill>
+                        <a:scrgbClr r="0" g="0" b="0"/>
+                      </a:solidFill>
+                      <a:prstDash val="solid"/>
+                      <a:round/>
+                      <a:headEnd type="none" w="med" len="med"/>
+                      <a:tailEnd type="none" w="med" len="med"/>
+                    </a:lnL>
+                    <a:lnR w="12700" cap="flat" cmpd="sng" algn="ctr">
+                      <a:solidFill>
+                        <a:scrgbClr r="0" g="0" b="0"/>
+                      </a:solidFill>
+                      <a:prstDash val="solid"/>
+                      <a:round/>
+                      <a:headEnd type="none" w="med" len="med"/>
+                      <a:tailEnd type="none" w="med" len="med"/>
+                    </a:lnR>
+                    <a:lnT w="12700" cap="flat" cmpd="sng" algn="ctr">
+                      <a:solidFill>
+                        <a:scrgbClr r="0" g="0" b="0"/>
+                      </a:solidFill>
+                      <a:prstDash val="solid"/>
+                      <a:round/>
+                      <a:headEnd type="none" w="med" len="med"/>
+                      <a:tailEnd type="none" w="med" len="med"/>
+                    </a:lnT>
+                    <a:lnB w="12700" cap="flat" cmpd="sng" algn="ctr">
+                      <a:solidFill>
+                        <a:scrgbClr r="0" g="0" b="0"/>
+                      </a:solidFill>
+                      <a:prstDash val="solid"/>
+                      <a:round/>
+                      <a:headEnd type="none" w="med" len="med"/>
+                      <a:tailEnd type="none" w="med" len="med"/>
+                    </a:lnB>
+                  </a:tcPr>
+                </a:tc>
+              </a:tr>
+            </a:tbl>
+          </a:graphicData>
+        </a:graphic>
+      </p:graphicFrame>
+      <p:sp>
+        <p:nvSpPr>
+          <p:cNvPr id="9" name="TextBox 8"/>
+          <p:cNvSpPr txBox="1"/>
+          <p:nvPr/>
+        </p:nvSpPr>
+        <p:spPr>
+          <a:xfrm>
+            <a:off x="715762" y="1694768"/>
+            <a:ext cx="6811762" cy="523220"/>
+          </a:xfrm>
+          <a:prstGeom prst="rect">
+            <a:avLst/>
+          </a:prstGeom>
+          <a:noFill/>
+        </p:spPr>
+        <p:txBody>
+          <a:bodyPr wrap="square" rtlCol="0">
+            <a:spAutoFit/>
+          </a:bodyPr>
           <a:lstStyle/>
           <a:p>
             <a:r>
-              <a:rPr lang="en-US" dirty="0" err="1" smtClean="0"/>
-              <a:t>msfrop</a:t>
-            </a:r>
-            <a:endParaRPr lang="en-US" dirty="0"/>
+              <a:rPr lang="en-US" sz="2800" dirty="0" smtClean="0"/>
+              <a:t>Example of concatenating gadgets in chains</a:t>
+            </a:r>
+            <a:endParaRPr lang="en-US" sz="2800" dirty="0"/>
           </a:p>
         </p:txBody>
       </p:sp>
     </p:spTree>
     <p:extLst>
       <p:ext uri="{BB962C8B-B14F-4D97-AF65-F5344CB8AC3E}">
-        <p14:creationId xmlns:p14="http://schemas.microsoft.com/office/powerpoint/2010/main" val="125048930"/>
+        <p14:creationId xmlns:p14="http://schemas.microsoft.com/office/powerpoint/2010/main" val="364135942"/>
       </p:ext>
     </p:extLst>
   </p:cSld>
@@ -4332,7 +6017,7 @@
           <a:p>
             <a:r>
               <a:rPr lang="en-US" dirty="0" smtClean="0"/>
-              <a:t>Memory Leaks</a:t>
+              <a:t>Finding gadgets</a:t>
             </a:r>
             <a:endParaRPr lang="en-US" dirty="0"/>
           </a:p>
@@ -4353,6 +6038,46 @@
           <a:bodyPr/>
           <a:lstStyle/>
           <a:p>
+            <a:r>
+              <a:rPr lang="en-US" dirty="0" err="1" smtClean="0"/>
+              <a:t>msfrop</a:t>
+            </a:r>
+            <a:r>
+              <a:rPr lang="en-US" dirty="0" smtClean="0"/>
+              <a:t> </a:t>
+            </a:r>
+          </a:p>
+          <a:p>
+            <a:r>
+              <a:rPr lang="en-US" dirty="0" err="1" smtClean="0"/>
+              <a:t>mona.py</a:t>
+            </a:r>
+            <a:r>
+              <a:rPr lang="en-US" dirty="0" smtClean="0"/>
+              <a:t> (immunity plugin, windows only but awesome)</a:t>
+            </a:r>
+          </a:p>
+          <a:p>
+            <a:r>
+              <a:rPr lang="en-US" dirty="0" err="1"/>
+              <a:t>o</a:t>
+            </a:r>
+            <a:r>
+              <a:rPr lang="en-US" dirty="0" err="1" smtClean="0"/>
+              <a:t>bjdump</a:t>
+            </a:r>
+            <a:r>
+              <a:rPr lang="en-US" dirty="0" smtClean="0"/>
+              <a:t> –d &lt;exec&gt;|</a:t>
+            </a:r>
+            <a:r>
+              <a:rPr lang="en-US" dirty="0" err="1" smtClean="0"/>
+              <a:t>egrep</a:t>
+            </a:r>
+            <a:r>
+              <a:rPr lang="en-US" dirty="0" smtClean="0"/>
+              <a:t> –B &lt;n&gt; ret ( might do if you’re really desperate ) </a:t>
+            </a:r>
             <a:endParaRPr lang="en-US" dirty="0"/>
           </a:p>
         </p:txBody>
@@ -4360,7 +6085,7 @@
     </p:spTree>
     <p:extLst>
       <p:ext uri="{BB962C8B-B14F-4D97-AF65-F5344CB8AC3E}">
-        <p14:creationId xmlns:p14="http://schemas.microsoft.com/office/powerpoint/2010/main" val="3851031942"/>
+        <p14:creationId xmlns:p14="http://schemas.microsoft.com/office/powerpoint/2010/main" val="125048930"/>
       </p:ext>
     </p:extLst>
   </p:cSld>
@@ -4403,31 +6128,145 @@
           <a:lstStyle/>
           <a:p>
             <a:r>
+              <a:rPr lang="en-US" dirty="0" smtClean="0"/>
+              <a:t>ROP payloads</a:t>
+            </a:r>
+            <a:endParaRPr lang="en-US" dirty="0"/>
+          </a:p>
+        </p:txBody>
+      </p:sp>
+      <p:sp>
+        <p:nvSpPr>
+          <p:cNvPr id="3" name="Content Placeholder 2"/>
+          <p:cNvSpPr>
+            <a:spLocks noGrp="1"/>
+          </p:cNvSpPr>
+          <p:nvPr>
+            <p:ph idx="1"/>
+          </p:nvPr>
+        </p:nvSpPr>
+        <p:spPr/>
+        <p:txBody>
+          <a:bodyPr>
+            <a:normAutofit lnSpcReduction="10000"/>
+          </a:bodyPr>
+          <a:lstStyle/>
+          <a:p>
+            <a:r>
+              <a:rPr lang="en-US" dirty="0" smtClean="0"/>
+              <a:t>Ok, what can I do with ROP?</a:t>
+            </a:r>
+          </a:p>
+          <a:p>
+            <a:r>
+              <a:rPr lang="en-US" dirty="0" smtClean="0"/>
+              <a:t>A common technique:</a:t>
+            </a:r>
+          </a:p>
+          <a:p>
+            <a:pPr lvl="1"/>
+            <a:r>
+              <a:rPr lang="en-US" dirty="0" smtClean="0"/>
+              <a:t>Allocate new memory area (</a:t>
+            </a:r>
+            <a:r>
               <a:rPr lang="en-US" dirty="0" err="1" smtClean="0"/>
-              <a:t>Libc</a:t>
-            </a:r>
-            <a:r>
-              <a:rPr lang="en-US" dirty="0" smtClean="0"/>
-              <a:t> version hell</a:t>
-            </a:r>
-            <a:endParaRPr lang="en-US" dirty="0"/>
-          </a:p>
-        </p:txBody>
-      </p:sp>
-      <p:sp>
-        <p:nvSpPr>
-          <p:cNvPr id="3" name="Content Placeholder 2"/>
-          <p:cNvSpPr>
-            <a:spLocks noGrp="1"/>
-          </p:cNvSpPr>
-          <p:nvPr>
-            <p:ph idx="1"/>
-          </p:nvPr>
-        </p:nvSpPr>
-        <p:spPr/>
-        <p:txBody>
-          <a:bodyPr/>
-          <a:lstStyle/>
+              <a:t>mmap</a:t>
+            </a:r>
+            <a:r>
+              <a:rPr lang="en-US" dirty="0" smtClean="0"/>
+              <a:t>/</a:t>
+            </a:r>
+            <a:r>
+              <a:rPr lang="en-US" dirty="0" err="1" smtClean="0"/>
+              <a:t>VirtualAlloc</a:t>
+            </a:r>
+            <a:r>
+              <a:rPr lang="en-US" dirty="0" smtClean="0"/>
+              <a:t>) as RWX</a:t>
+            </a:r>
+          </a:p>
+          <a:p>
+            <a:pPr lvl="1"/>
+            <a:r>
+              <a:rPr lang="en-US" dirty="0" smtClean="0"/>
+              <a:t>Write the </a:t>
+            </a:r>
+            <a:r>
+              <a:rPr lang="en-US" dirty="0" err="1" smtClean="0"/>
+              <a:t>shellcode</a:t>
+            </a:r>
+            <a:r>
+              <a:rPr lang="en-US" dirty="0" smtClean="0"/>
+              <a:t> into it (read/</a:t>
+            </a:r>
+            <a:r>
+              <a:rPr lang="en-US" dirty="0" err="1" smtClean="0"/>
+              <a:t>memcpy</a:t>
+            </a:r>
+            <a:r>
+              <a:rPr lang="en-US" dirty="0" smtClean="0"/>
+              <a:t>)</a:t>
+            </a:r>
+          </a:p>
+          <a:p>
+            <a:pPr lvl="1"/>
+            <a:r>
+              <a:rPr lang="en-US" dirty="0" smtClean="0"/>
+              <a:t>Jump into </a:t>
+            </a:r>
+            <a:r>
+              <a:rPr lang="en-US" dirty="0" err="1" smtClean="0"/>
+              <a:t>shellcode</a:t>
+            </a:r>
+            <a:endParaRPr lang="en-US" dirty="0" smtClean="0"/>
+          </a:p>
+          <a:p>
+            <a:r>
+              <a:rPr lang="en-US" sz="2600" dirty="0" smtClean="0"/>
+              <a:t>Plenty more techniques here</a:t>
+            </a:r>
+            <a:r>
+              <a:rPr lang="en-US" sz="2600" baseline="0" dirty="0" smtClean="0"/>
+              <a:t> (windows only but general ideas can be reused):</a:t>
+            </a:r>
+          </a:p>
+          <a:p>
+            <a:pPr marL="400050" lvl="1" indent="0">
+              <a:buNone/>
+            </a:pPr>
+            <a:r>
+              <a:rPr lang="en-US" sz="2200" dirty="0" smtClean="0">
+                <a:hlinkClick r:id="rId3"/>
+              </a:rPr>
+              <a:t>https://</a:t>
+            </a:r>
+            <a:r>
+              <a:rPr lang="en-US" sz="2200" dirty="0" err="1" smtClean="0">
+                <a:hlinkClick r:id="rId3"/>
+              </a:rPr>
+              <a:t>www.corelan.be</a:t>
+            </a:r>
+            <a:r>
+              <a:rPr lang="en-US" sz="2200" dirty="0" smtClean="0">
+                <a:hlinkClick r:id="rId3"/>
+              </a:rPr>
+              <a:t>/</a:t>
+            </a:r>
+            <a:r>
+              <a:rPr lang="en-US" sz="2200" dirty="0" err="1" smtClean="0">
+                <a:hlinkClick r:id="rId3"/>
+              </a:rPr>
+              <a:t>index.php</a:t>
+            </a:r>
+            <a:r>
+              <a:rPr lang="en-US" sz="2200" dirty="0" smtClean="0">
+                <a:hlinkClick r:id="rId3"/>
+              </a:rPr>
+              <a:t>/2010/06/16/exploit-writing-tutorial-part-10-chaining-dep-with-rop-the-rubikstm-cube/</a:t>
+            </a:r>
+            <a:endParaRPr lang="en-US" sz="2200" dirty="0" smtClean="0"/>
+          </a:p>
           <a:p>
             <a:endParaRPr lang="en-US" dirty="0"/>
           </a:p>
@@ -4436,7 +6275,1141 @@
     </p:spTree>
     <p:extLst>
       <p:ext uri="{BB962C8B-B14F-4D97-AF65-F5344CB8AC3E}">
-        <p14:creationId xmlns:p14="http://schemas.microsoft.com/office/powerpoint/2010/main" val="1647857870"/>
+        <p14:creationId xmlns:p14="http://schemas.microsoft.com/office/powerpoint/2010/main" val="98220857"/>
+      </p:ext>
+    </p:extLst>
+  </p:cSld>
+  <p:clrMapOvr>
+    <a:masterClrMapping/>
+  </p:clrMapOvr>
+</p:sld>
+</file>
+
+<file path=ppt/slides/slide9.xml><?xml version="1.0" encoding="utf-8"?>
+<p:sld xmlns:a="http://schemas.openxmlformats.org/drawingml/2006/main" xmlns:r="http://schemas.openxmlformats.org/officeDocument/2006/relationships" xmlns:p="http://schemas.openxmlformats.org/presentationml/2006/main">
+  <p:cSld>
+    <p:spTree>
+      <p:nvGrpSpPr>
+        <p:cNvPr id="1" name=""/>
+        <p:cNvGrpSpPr/>
+        <p:nvPr/>
+      </p:nvGrpSpPr>
+      <p:grpSpPr>
+        <a:xfrm>
+          <a:off x="0" y="0"/>
+          <a:ext cx="0" cy="0"/>
+          <a:chOff x="0" y="0"/>
+          <a:chExt cx="0" cy="0"/>
+        </a:xfrm>
+      </p:grpSpPr>
+      <p:sp>
+        <p:nvSpPr>
+          <p:cNvPr id="2" name="Title 1"/>
+          <p:cNvSpPr>
+            <a:spLocks noGrp="1"/>
+          </p:cNvSpPr>
+          <p:nvPr>
+            <p:ph type="title"/>
+          </p:nvPr>
+        </p:nvSpPr>
+        <p:spPr/>
+        <p:txBody>
+          <a:bodyPr/>
+          <a:lstStyle/>
+          <a:p>
+            <a:r>
+              <a:rPr lang="en-US" dirty="0" smtClean="0"/>
+              <a:t>Calling functions</a:t>
+            </a:r>
+            <a:endParaRPr lang="en-US" dirty="0"/>
+          </a:p>
+        </p:txBody>
+      </p:sp>
+      <p:sp>
+        <p:nvSpPr>
+          <p:cNvPr id="3" name="Content Placeholder 2"/>
+          <p:cNvSpPr>
+            <a:spLocks noGrp="1"/>
+          </p:cNvSpPr>
+          <p:nvPr>
+            <p:ph idx="1"/>
+          </p:nvPr>
+        </p:nvSpPr>
+        <p:spPr>
+          <a:xfrm>
+            <a:off x="457200" y="1600201"/>
+            <a:ext cx="8229600" cy="1170580"/>
+          </a:xfrm>
+        </p:spPr>
+        <p:txBody>
+          <a:bodyPr>
+            <a:normAutofit/>
+          </a:bodyPr>
+          <a:lstStyle/>
+          <a:p>
+            <a:r>
+              <a:rPr lang="en-US" sz="2400" dirty="0" smtClean="0"/>
+              <a:t>In theory, it’s pretty simple…</a:t>
+            </a:r>
+          </a:p>
+          <a:p>
+            <a:r>
+              <a:rPr lang="en-US" sz="2400" dirty="0" smtClean="0"/>
+              <a:t>Just set up the stack like this:</a:t>
+            </a:r>
+            <a:endParaRPr lang="en-US" sz="2400" dirty="0"/>
+          </a:p>
+        </p:txBody>
+      </p:sp>
+      <p:graphicFrame>
+        <p:nvGraphicFramePr>
+          <p:cNvPr id="4" name="Table 3"/>
+          <p:cNvGraphicFramePr>
+            <a:graphicFrameLocks noGrp="1"/>
+          </p:cNvGraphicFramePr>
+          <p:nvPr>
+            <p:extLst>
+              <p:ext uri="{D42A27DB-BD31-4B8C-83A1-F6EECF244321}">
+                <p14:modId xmlns:p14="http://schemas.microsoft.com/office/powerpoint/2010/main" val="1394567569"/>
+              </p:ext>
+            </p:extLst>
+          </p:nvPr>
+        </p:nvGraphicFramePr>
+        <p:xfrm>
+          <a:off x="805566" y="2525837"/>
+          <a:ext cx="8072228" cy="2763520"/>
+        </p:xfrm>
+        <a:graphic>
+          <a:graphicData uri="http://schemas.openxmlformats.org/drawingml/2006/table">
+            <a:tbl>
+              <a:tblPr firstRow="1" bandRow="1">
+                <a:tableStyleId>{2D5ABB26-0587-4C30-8999-92F81FD0307C}</a:tableStyleId>
+              </a:tblPr>
+              <a:tblGrid>
+                <a:gridCol w="1939879"/>
+                <a:gridCol w="1565160"/>
+                <a:gridCol w="4567189"/>
+              </a:tblGrid>
+              <a:tr h="370840">
+                <a:tc>
+                  <a:txBody>
+                    <a:bodyPr/>
+                    <a:lstStyle/>
+                    <a:p>
+                      <a:endParaRPr lang="en-US" dirty="0"/>
+                    </a:p>
+                  </a:txBody>
+                  <a:tcPr>
+                    <a:lnL w="12700" cap="flat" cmpd="sng" algn="ctr">
+                      <a:solidFill>
+                        <a:scrgbClr r="0" g="0" b="0"/>
+                      </a:solidFill>
+                      <a:prstDash val="solid"/>
+                      <a:round/>
+                      <a:headEnd type="none" w="med" len="med"/>
+                      <a:tailEnd type="none" w="med" len="med"/>
+                    </a:lnL>
+                    <a:lnR w="12700" cap="flat" cmpd="sng" algn="ctr">
+                      <a:solidFill>
+                        <a:scrgbClr r="0" g="0" b="0"/>
+                      </a:solidFill>
+                      <a:prstDash val="solid"/>
+                      <a:round/>
+                      <a:headEnd type="none" w="med" len="med"/>
+                      <a:tailEnd type="none" w="med" len="med"/>
+                    </a:lnR>
+                    <a:lnT w="12700" cap="flat" cmpd="sng" algn="ctr">
+                      <a:solidFill>
+                        <a:scrgbClr r="0" g="0" b="0"/>
+                      </a:solidFill>
+                      <a:prstDash val="solid"/>
+                      <a:round/>
+                      <a:headEnd type="none" w="med" len="med"/>
+                      <a:tailEnd type="none" w="med" len="med"/>
+                    </a:lnT>
+                    <a:lnB w="12700" cap="flat" cmpd="sng" algn="ctr">
+                      <a:solidFill>
+                        <a:scrgbClr r="0" g="0" b="0"/>
+                      </a:solidFill>
+                      <a:prstDash val="solid"/>
+                      <a:round/>
+                      <a:headEnd type="none" w="med" len="med"/>
+                      <a:tailEnd type="none" w="med" len="med"/>
+                    </a:lnB>
+                  </a:tcPr>
+                </a:tc>
+                <a:tc>
+                  <a:txBody>
+                    <a:bodyPr/>
+                    <a:lstStyle/>
+                    <a:p>
+                      <a:r>
+                        <a:rPr lang="en-US" dirty="0" smtClean="0"/>
+                        <a:t>Stack address</a:t>
+                      </a:r>
+                      <a:endParaRPr lang="en-US" dirty="0"/>
+                    </a:p>
+                  </a:txBody>
+                  <a:tcPr>
+                    <a:lnL w="12700" cap="flat" cmpd="sng" algn="ctr">
+                      <a:solidFill>
+                        <a:scrgbClr r="0" g="0" b="0"/>
+                      </a:solidFill>
+                      <a:prstDash val="solid"/>
+                      <a:round/>
+                      <a:headEnd type="none" w="med" len="med"/>
+                      <a:tailEnd type="none" w="med" len="med"/>
+                    </a:lnL>
+                    <a:lnR w="12700" cap="flat" cmpd="sng" algn="ctr">
+                      <a:solidFill>
+                        <a:scrgbClr r="0" g="0" b="0"/>
+                      </a:solidFill>
+                      <a:prstDash val="solid"/>
+                      <a:round/>
+                      <a:headEnd type="none" w="med" len="med"/>
+                      <a:tailEnd type="none" w="med" len="med"/>
+                    </a:lnR>
+                    <a:lnT w="12700" cap="flat" cmpd="sng" algn="ctr">
+                      <a:solidFill>
+                        <a:scrgbClr r="0" g="0" b="0"/>
+                      </a:solidFill>
+                      <a:prstDash val="solid"/>
+                      <a:round/>
+                      <a:headEnd type="none" w="med" len="med"/>
+                      <a:tailEnd type="none" w="med" len="med"/>
+                    </a:lnT>
+                    <a:lnB w="12700" cap="flat" cmpd="sng" algn="ctr">
+                      <a:solidFill>
+                        <a:scrgbClr r="0" g="0" b="0"/>
+                      </a:solidFill>
+                      <a:prstDash val="solid"/>
+                      <a:round/>
+                      <a:headEnd type="none" w="med" len="med"/>
+                      <a:tailEnd type="none" w="med" len="med"/>
+                    </a:lnB>
+                  </a:tcPr>
+                </a:tc>
+                <a:tc>
+                  <a:txBody>
+                    <a:bodyPr/>
+                    <a:lstStyle/>
+                    <a:p>
+                      <a:r>
+                        <a:rPr lang="en-US" dirty="0" smtClean="0"/>
+                        <a:t>Stack Value</a:t>
+                      </a:r>
+                      <a:endParaRPr lang="en-US" dirty="0"/>
+                    </a:p>
+                  </a:txBody>
+                  <a:tcPr>
+                    <a:lnL w="12700" cap="flat" cmpd="sng" algn="ctr">
+                      <a:solidFill>
+                        <a:scrgbClr r="0" g="0" b="0"/>
+                      </a:solidFill>
+                      <a:prstDash val="solid"/>
+                      <a:round/>
+                      <a:headEnd type="none" w="med" len="med"/>
+                      <a:tailEnd type="none" w="med" len="med"/>
+                    </a:lnL>
+                    <a:lnR w="12700" cap="flat" cmpd="sng" algn="ctr">
+                      <a:solidFill>
+                        <a:scrgbClr r="0" g="0" b="0"/>
+                      </a:solidFill>
+                      <a:prstDash val="solid"/>
+                      <a:round/>
+                      <a:headEnd type="none" w="med" len="med"/>
+                      <a:tailEnd type="none" w="med" len="med"/>
+                    </a:lnR>
+                    <a:lnT w="12700" cap="flat" cmpd="sng" algn="ctr">
+                      <a:solidFill>
+                        <a:scrgbClr r="0" g="0" b="0"/>
+                      </a:solidFill>
+                      <a:prstDash val="solid"/>
+                      <a:round/>
+                      <a:headEnd type="none" w="med" len="med"/>
+                      <a:tailEnd type="none" w="med" len="med"/>
+                    </a:lnT>
+                    <a:lnB w="12700" cap="flat" cmpd="sng" algn="ctr">
+                      <a:solidFill>
+                        <a:scrgbClr r="0" g="0" b="0"/>
+                      </a:solidFill>
+                      <a:prstDash val="solid"/>
+                      <a:round/>
+                      <a:headEnd type="none" w="med" len="med"/>
+                      <a:tailEnd type="none" w="med" len="med"/>
+                    </a:lnB>
+                  </a:tcPr>
+                </a:tc>
+              </a:tr>
+              <a:tr h="370840">
+                <a:tc>
+                  <a:txBody>
+                    <a:bodyPr/>
+                    <a:lstStyle/>
+                    <a:p>
+                      <a:r>
+                        <a:rPr lang="en-US" dirty="0" smtClean="0"/>
+                        <a:t>Calling </a:t>
+                      </a:r>
+                      <a:r>
+                        <a:rPr lang="en-US" dirty="0" err="1" smtClean="0"/>
+                        <a:t>func</a:t>
+                      </a:r>
+                      <a:r>
+                        <a:rPr lang="en-US" dirty="0" smtClean="0"/>
+                        <a:t>(&amp;</a:t>
+                      </a:r>
+                      <a:r>
+                        <a:rPr lang="en-US" dirty="0" err="1" smtClean="0"/>
+                        <a:t>var</a:t>
+                      </a:r>
+                      <a:r>
+                        <a:rPr lang="en-US" dirty="0" smtClean="0"/>
+                        <a:t>,</a:t>
+                      </a:r>
+                      <a:r>
+                        <a:rPr lang="en-US" baseline="0" dirty="0" smtClean="0"/>
+                        <a:t> 1</a:t>
+                      </a:r>
+                      <a:r>
+                        <a:rPr lang="en-US" dirty="0" smtClean="0"/>
+                        <a:t>); -&gt;</a:t>
+                      </a:r>
+                      <a:endParaRPr lang="en-US" dirty="0"/>
+                    </a:p>
+                  </a:txBody>
+                  <a:tcPr>
+                    <a:lnL w="12700" cap="flat" cmpd="sng" algn="ctr">
+                      <a:solidFill>
+                        <a:scrgbClr r="0" g="0" b="0"/>
+                      </a:solidFill>
+                      <a:prstDash val="solid"/>
+                      <a:round/>
+                      <a:headEnd type="none" w="med" len="med"/>
+                      <a:tailEnd type="none" w="med" len="med"/>
+                    </a:lnL>
+                    <a:lnR w="12700" cap="flat" cmpd="sng" algn="ctr">
+                      <a:solidFill>
+                        <a:scrgbClr r="0" g="0" b="0"/>
+                      </a:solidFill>
+                      <a:prstDash val="solid"/>
+                      <a:round/>
+                      <a:headEnd type="none" w="med" len="med"/>
+                      <a:tailEnd type="none" w="med" len="med"/>
+                    </a:lnR>
+                    <a:lnT w="12700" cap="flat" cmpd="sng" algn="ctr">
+                      <a:solidFill>
+                        <a:scrgbClr r="0" g="0" b="0"/>
+                      </a:solidFill>
+                      <a:prstDash val="solid"/>
+                      <a:round/>
+                      <a:headEnd type="none" w="med" len="med"/>
+                      <a:tailEnd type="none" w="med" len="med"/>
+                    </a:lnT>
+                    <a:lnB w="12700" cap="flat" cmpd="sng" algn="ctr">
+                      <a:solidFill>
+                        <a:scrgbClr r="0" g="0" b="0"/>
+                      </a:solidFill>
+                      <a:prstDash val="solid"/>
+                      <a:round/>
+                      <a:headEnd type="none" w="med" len="med"/>
+                      <a:tailEnd type="none" w="med" len="med"/>
+                    </a:lnB>
+                  </a:tcPr>
+                </a:tc>
+                <a:tc>
+                  <a:txBody>
+                    <a:bodyPr/>
+                    <a:lstStyle/>
+                    <a:p>
+                      <a:r>
+                        <a:rPr lang="en-US" dirty="0" smtClean="0"/>
+                        <a:t>0x0010F730</a:t>
+                      </a:r>
+                      <a:endParaRPr lang="en-US" dirty="0"/>
+                    </a:p>
+                  </a:txBody>
+                  <a:tcPr>
+                    <a:lnL w="12700" cap="flat" cmpd="sng" algn="ctr">
+                      <a:solidFill>
+                        <a:scrgbClr r="0" g="0" b="0"/>
+                      </a:solidFill>
+                      <a:prstDash val="solid"/>
+                      <a:round/>
+                      <a:headEnd type="none" w="med" len="med"/>
+                      <a:tailEnd type="none" w="med" len="med"/>
+                    </a:lnL>
+                    <a:lnR w="12700" cap="flat" cmpd="sng" algn="ctr">
+                      <a:solidFill>
+                        <a:scrgbClr r="0" g="0" b="0"/>
+                      </a:solidFill>
+                      <a:prstDash val="solid"/>
+                      <a:round/>
+                      <a:headEnd type="none" w="med" len="med"/>
+                      <a:tailEnd type="none" w="med" len="med"/>
+                    </a:lnR>
+                    <a:lnT w="12700" cap="flat" cmpd="sng" algn="ctr">
+                      <a:solidFill>
+                        <a:scrgbClr r="0" g="0" b="0"/>
+                      </a:solidFill>
+                      <a:prstDash val="solid"/>
+                      <a:round/>
+                      <a:headEnd type="none" w="med" len="med"/>
+                      <a:tailEnd type="none" w="med" len="med"/>
+                    </a:lnT>
+                    <a:lnB w="12700" cap="flat" cmpd="sng" algn="ctr">
+                      <a:solidFill>
+                        <a:scrgbClr r="0" g="0" b="0"/>
+                      </a:solidFill>
+                      <a:prstDash val="solid"/>
+                      <a:round/>
+                      <a:headEnd type="none" w="med" len="med"/>
+                      <a:tailEnd type="none" w="med" len="med"/>
+                    </a:lnB>
+                  </a:tcPr>
+                </a:tc>
+                <a:tc>
+                  <a:txBody>
+                    <a:bodyPr/>
+                    <a:lstStyle/>
+                    <a:p>
+                      <a:r>
+                        <a:rPr lang="en-US" dirty="0" smtClean="0"/>
+                        <a:t>0x10026D56 (address of </a:t>
+                      </a:r>
+                      <a:r>
+                        <a:rPr lang="en-US" dirty="0" err="1" smtClean="0"/>
+                        <a:t>func</a:t>
+                      </a:r>
+                      <a:r>
+                        <a:rPr lang="en-US" dirty="0" smtClean="0"/>
+                        <a:t>() )</a:t>
+                      </a:r>
+                      <a:endParaRPr lang="en-US" dirty="0"/>
+                    </a:p>
+                  </a:txBody>
+                  <a:tcPr>
+                    <a:lnL w="12700" cap="flat" cmpd="sng" algn="ctr">
+                      <a:solidFill>
+                        <a:scrgbClr r="0" g="0" b="0"/>
+                      </a:solidFill>
+                      <a:prstDash val="solid"/>
+                      <a:round/>
+                      <a:headEnd type="none" w="med" len="med"/>
+                      <a:tailEnd type="none" w="med" len="med"/>
+                    </a:lnL>
+                    <a:lnR w="12700" cap="flat" cmpd="sng" algn="ctr">
+                      <a:solidFill>
+                        <a:scrgbClr r="0" g="0" b="0"/>
+                      </a:solidFill>
+                      <a:prstDash val="solid"/>
+                      <a:round/>
+                      <a:headEnd type="none" w="med" len="med"/>
+                      <a:tailEnd type="none" w="med" len="med"/>
+                    </a:lnR>
+                    <a:lnT w="12700" cap="flat" cmpd="sng" algn="ctr">
+                      <a:solidFill>
+                        <a:scrgbClr r="0" g="0" b="0"/>
+                      </a:solidFill>
+                      <a:prstDash val="solid"/>
+                      <a:round/>
+                      <a:headEnd type="none" w="med" len="med"/>
+                      <a:tailEnd type="none" w="med" len="med"/>
+                    </a:lnT>
+                    <a:lnB w="12700" cap="flat" cmpd="sng" algn="ctr">
+                      <a:solidFill>
+                        <a:scrgbClr r="0" g="0" b="0"/>
+                      </a:solidFill>
+                      <a:prstDash val="solid"/>
+                      <a:round/>
+                      <a:headEnd type="none" w="med" len="med"/>
+                      <a:tailEnd type="none" w="med" len="med"/>
+                    </a:lnB>
+                  </a:tcPr>
+                </a:tc>
+              </a:tr>
+              <a:tr h="370840">
+                <a:tc>
+                  <a:txBody>
+                    <a:bodyPr/>
+                    <a:lstStyle/>
+                    <a:p>
+                      <a:endParaRPr lang="en-US" dirty="0"/>
+                    </a:p>
+                  </a:txBody>
+                  <a:tcPr>
+                    <a:lnL w="12700" cap="flat" cmpd="sng" algn="ctr">
+                      <a:solidFill>
+                        <a:scrgbClr r="0" g="0" b="0"/>
+                      </a:solidFill>
+                      <a:prstDash val="solid"/>
+                      <a:round/>
+                      <a:headEnd type="none" w="med" len="med"/>
+                      <a:tailEnd type="none" w="med" len="med"/>
+                    </a:lnL>
+                    <a:lnR w="12700" cap="flat" cmpd="sng" algn="ctr">
+                      <a:solidFill>
+                        <a:scrgbClr r="0" g="0" b="0"/>
+                      </a:solidFill>
+                      <a:prstDash val="solid"/>
+                      <a:round/>
+                      <a:headEnd type="none" w="med" len="med"/>
+                      <a:tailEnd type="none" w="med" len="med"/>
+                    </a:lnR>
+                    <a:lnT w="12700" cap="flat" cmpd="sng" algn="ctr">
+                      <a:solidFill>
+                        <a:scrgbClr r="0" g="0" b="0"/>
+                      </a:solidFill>
+                      <a:prstDash val="solid"/>
+                      <a:round/>
+                      <a:headEnd type="none" w="med" len="med"/>
+                      <a:tailEnd type="none" w="med" len="med"/>
+                    </a:lnT>
+                    <a:lnB w="12700" cap="flat" cmpd="sng" algn="ctr">
+                      <a:solidFill>
+                        <a:scrgbClr r="0" g="0" b="0"/>
+                      </a:solidFill>
+                      <a:prstDash val="solid"/>
+                      <a:round/>
+                      <a:headEnd type="none" w="med" len="med"/>
+                      <a:tailEnd type="none" w="med" len="med"/>
+                    </a:lnB>
+                  </a:tcPr>
+                </a:tc>
+                <a:tc>
+                  <a:txBody>
+                    <a:bodyPr/>
+                    <a:lstStyle/>
+                    <a:p>
+                      <a:r>
+                        <a:rPr lang="en-US" dirty="0" smtClean="0"/>
+                        <a:t>0x0010F734</a:t>
+                      </a:r>
+                      <a:endParaRPr lang="en-US" dirty="0"/>
+                    </a:p>
+                  </a:txBody>
+                  <a:tcPr>
+                    <a:lnL w="12700" cap="flat" cmpd="sng" algn="ctr">
+                      <a:solidFill>
+                        <a:scrgbClr r="0" g="0" b="0"/>
+                      </a:solidFill>
+                      <a:prstDash val="solid"/>
+                      <a:round/>
+                      <a:headEnd type="none" w="med" len="med"/>
+                      <a:tailEnd type="none" w="med" len="med"/>
+                    </a:lnL>
+                    <a:lnR w="12700" cap="flat" cmpd="sng" algn="ctr">
+                      <a:solidFill>
+                        <a:scrgbClr r="0" g="0" b="0"/>
+                      </a:solidFill>
+                      <a:prstDash val="solid"/>
+                      <a:round/>
+                      <a:headEnd type="none" w="med" len="med"/>
+                      <a:tailEnd type="none" w="med" len="med"/>
+                    </a:lnR>
+                    <a:lnT w="12700" cap="flat" cmpd="sng" algn="ctr">
+                      <a:solidFill>
+                        <a:scrgbClr r="0" g="0" b="0"/>
+                      </a:solidFill>
+                      <a:prstDash val="solid"/>
+                      <a:round/>
+                      <a:headEnd type="none" w="med" len="med"/>
+                      <a:tailEnd type="none" w="med" len="med"/>
+                    </a:lnT>
+                    <a:lnB w="12700" cap="flat" cmpd="sng" algn="ctr">
+                      <a:solidFill>
+                        <a:scrgbClr r="0" g="0" b="0"/>
+                      </a:solidFill>
+                      <a:prstDash val="solid"/>
+                      <a:round/>
+                      <a:headEnd type="none" w="med" len="med"/>
+                      <a:tailEnd type="none" w="med" len="med"/>
+                    </a:lnB>
+                  </a:tcPr>
+                </a:tc>
+                <a:tc>
+                  <a:txBody>
+                    <a:bodyPr/>
+                    <a:lstStyle/>
+                    <a:p>
+                      <a:r>
+                        <a:rPr lang="en-US" dirty="0" smtClean="0"/>
+                        <a:t>0x10101010</a:t>
+                      </a:r>
+                      <a:r>
+                        <a:rPr lang="en-US" baseline="0" dirty="0" smtClean="0"/>
+                        <a:t> </a:t>
+                      </a:r>
+                      <a:r>
+                        <a:rPr lang="en-US" dirty="0" smtClean="0"/>
+                        <a:t>(ret address</a:t>
+                      </a:r>
+                      <a:r>
+                        <a:rPr lang="en-US" baseline="0" dirty="0" smtClean="0"/>
+                        <a:t> after </a:t>
+                      </a:r>
+                      <a:r>
+                        <a:rPr lang="en-US" baseline="0" dirty="0" err="1" smtClean="0"/>
+                        <a:t>func</a:t>
+                      </a:r>
+                      <a:r>
+                        <a:rPr lang="en-US" baseline="0" dirty="0" smtClean="0"/>
+                        <a:t>() exits, next gadget?</a:t>
+                      </a:r>
+                      <a:r>
+                        <a:rPr lang="en-US" dirty="0" smtClean="0"/>
+                        <a:t>)</a:t>
+                      </a:r>
+                      <a:endParaRPr lang="en-US" dirty="0"/>
+                    </a:p>
+                  </a:txBody>
+                  <a:tcPr>
+                    <a:lnL w="12700" cap="flat" cmpd="sng" algn="ctr">
+                      <a:solidFill>
+                        <a:scrgbClr r="0" g="0" b="0"/>
+                      </a:solidFill>
+                      <a:prstDash val="solid"/>
+                      <a:round/>
+                      <a:headEnd type="none" w="med" len="med"/>
+                      <a:tailEnd type="none" w="med" len="med"/>
+                    </a:lnL>
+                    <a:lnR w="12700" cap="flat" cmpd="sng" algn="ctr">
+                      <a:solidFill>
+                        <a:scrgbClr r="0" g="0" b="0"/>
+                      </a:solidFill>
+                      <a:prstDash val="solid"/>
+                      <a:round/>
+                      <a:headEnd type="none" w="med" len="med"/>
+                      <a:tailEnd type="none" w="med" len="med"/>
+                    </a:lnR>
+                    <a:lnT w="12700" cap="flat" cmpd="sng" algn="ctr">
+                      <a:solidFill>
+                        <a:scrgbClr r="0" g="0" b="0"/>
+                      </a:solidFill>
+                      <a:prstDash val="solid"/>
+                      <a:round/>
+                      <a:headEnd type="none" w="med" len="med"/>
+                      <a:tailEnd type="none" w="med" len="med"/>
+                    </a:lnT>
+                    <a:lnB w="12700" cap="flat" cmpd="sng" algn="ctr">
+                      <a:solidFill>
+                        <a:scrgbClr r="0" g="0" b="0"/>
+                      </a:solidFill>
+                      <a:prstDash val="solid"/>
+                      <a:round/>
+                      <a:headEnd type="none" w="med" len="med"/>
+                      <a:tailEnd type="none" w="med" len="med"/>
+                    </a:lnB>
+                  </a:tcPr>
+                </a:tc>
+              </a:tr>
+              <a:tr h="370840">
+                <a:tc>
+                  <a:txBody>
+                    <a:bodyPr/>
+                    <a:lstStyle/>
+                    <a:p>
+                      <a:endParaRPr lang="en-US"/>
+                    </a:p>
+                  </a:txBody>
+                  <a:tcPr>
+                    <a:lnL w="12700" cap="flat" cmpd="sng" algn="ctr">
+                      <a:solidFill>
+                        <a:scrgbClr r="0" g="0" b="0"/>
+                      </a:solidFill>
+                      <a:prstDash val="solid"/>
+                      <a:round/>
+                      <a:headEnd type="none" w="med" len="med"/>
+                      <a:tailEnd type="none" w="med" len="med"/>
+                    </a:lnL>
+                    <a:lnR w="12700" cap="flat" cmpd="sng" algn="ctr">
+                      <a:solidFill>
+                        <a:scrgbClr r="0" g="0" b="0"/>
+                      </a:solidFill>
+                      <a:prstDash val="solid"/>
+                      <a:round/>
+                      <a:headEnd type="none" w="med" len="med"/>
+                      <a:tailEnd type="none" w="med" len="med"/>
+                    </a:lnR>
+                    <a:lnT w="12700" cap="flat" cmpd="sng" algn="ctr">
+                      <a:solidFill>
+                        <a:scrgbClr r="0" g="0" b="0"/>
+                      </a:solidFill>
+                      <a:prstDash val="solid"/>
+                      <a:round/>
+                      <a:headEnd type="none" w="med" len="med"/>
+                      <a:tailEnd type="none" w="med" len="med"/>
+                    </a:lnT>
+                    <a:lnB w="12700" cap="flat" cmpd="sng" algn="ctr">
+                      <a:solidFill>
+                        <a:scrgbClr r="0" g="0" b="0"/>
+                      </a:solidFill>
+                      <a:prstDash val="solid"/>
+                      <a:round/>
+                      <a:headEnd type="none" w="med" len="med"/>
+                      <a:tailEnd type="none" w="med" len="med"/>
+                    </a:lnB>
+                  </a:tcPr>
+                </a:tc>
+                <a:tc>
+                  <a:txBody>
+                    <a:bodyPr/>
+                    <a:lstStyle/>
+                    <a:p>
+                      <a:r>
+                        <a:rPr lang="en-US" dirty="0" smtClean="0"/>
+                        <a:t>0x0010F738</a:t>
+                      </a:r>
+                      <a:endParaRPr lang="en-US" dirty="0"/>
+                    </a:p>
+                  </a:txBody>
+                  <a:tcPr>
+                    <a:lnL w="12700" cap="flat" cmpd="sng" algn="ctr">
+                      <a:solidFill>
+                        <a:scrgbClr r="0" g="0" b="0"/>
+                      </a:solidFill>
+                      <a:prstDash val="solid"/>
+                      <a:round/>
+                      <a:headEnd type="none" w="med" len="med"/>
+                      <a:tailEnd type="none" w="med" len="med"/>
+                    </a:lnL>
+                    <a:lnR w="12700" cap="flat" cmpd="sng" algn="ctr">
+                      <a:solidFill>
+                        <a:scrgbClr r="0" g="0" b="0"/>
+                      </a:solidFill>
+                      <a:prstDash val="solid"/>
+                      <a:round/>
+                      <a:headEnd type="none" w="med" len="med"/>
+                      <a:tailEnd type="none" w="med" len="med"/>
+                    </a:lnR>
+                    <a:lnT w="12700" cap="flat" cmpd="sng" algn="ctr">
+                      <a:solidFill>
+                        <a:scrgbClr r="0" g="0" b="0"/>
+                      </a:solidFill>
+                      <a:prstDash val="solid"/>
+                      <a:round/>
+                      <a:headEnd type="none" w="med" len="med"/>
+                      <a:tailEnd type="none" w="med" len="med"/>
+                    </a:lnT>
+                    <a:lnB w="12700" cap="flat" cmpd="sng" algn="ctr">
+                      <a:solidFill>
+                        <a:scrgbClr r="0" g="0" b="0"/>
+                      </a:solidFill>
+                      <a:prstDash val="solid"/>
+                      <a:round/>
+                      <a:headEnd type="none" w="med" len="med"/>
+                      <a:tailEnd type="none" w="med" len="med"/>
+                    </a:lnB>
+                  </a:tcPr>
+                </a:tc>
+                <a:tc>
+                  <a:txBody>
+                    <a:bodyPr/>
+                    <a:lstStyle/>
+                    <a:p>
+                      <a:r>
+                        <a:rPr lang="en-US" dirty="0" smtClean="0"/>
+                        <a:t>0x0010f630</a:t>
+                      </a:r>
+                      <a:r>
+                        <a:rPr lang="en-US" dirty="0" smtClean="0"/>
+                        <a:t>(address of </a:t>
+                      </a:r>
+                      <a:r>
+                        <a:rPr lang="en-US" baseline="0" dirty="0" err="1" smtClean="0"/>
+                        <a:t>var</a:t>
+                      </a:r>
+                      <a:r>
+                        <a:rPr lang="en-US" dirty="0" smtClean="0"/>
+                        <a:t>)</a:t>
+                      </a:r>
+                      <a:endParaRPr lang="en-US" dirty="0"/>
+                    </a:p>
+                  </a:txBody>
+                  <a:tcPr>
+                    <a:lnL w="12700" cap="flat" cmpd="sng" algn="ctr">
+                      <a:solidFill>
+                        <a:scrgbClr r="0" g="0" b="0"/>
+                      </a:solidFill>
+                      <a:prstDash val="solid"/>
+                      <a:round/>
+                      <a:headEnd type="none" w="med" len="med"/>
+                      <a:tailEnd type="none" w="med" len="med"/>
+                    </a:lnL>
+                    <a:lnR w="12700" cap="flat" cmpd="sng" algn="ctr">
+                      <a:solidFill>
+                        <a:scrgbClr r="0" g="0" b="0"/>
+                      </a:solidFill>
+                      <a:prstDash val="solid"/>
+                      <a:round/>
+                      <a:headEnd type="none" w="med" len="med"/>
+                      <a:tailEnd type="none" w="med" len="med"/>
+                    </a:lnR>
+                    <a:lnT w="12700" cap="flat" cmpd="sng" algn="ctr">
+                      <a:solidFill>
+                        <a:scrgbClr r="0" g="0" b="0"/>
+                      </a:solidFill>
+                      <a:prstDash val="solid"/>
+                      <a:round/>
+                      <a:headEnd type="none" w="med" len="med"/>
+                      <a:tailEnd type="none" w="med" len="med"/>
+                    </a:lnT>
+                    <a:lnB w="12700" cap="flat" cmpd="sng" algn="ctr">
+                      <a:solidFill>
+                        <a:scrgbClr r="0" g="0" b="0"/>
+                      </a:solidFill>
+                      <a:prstDash val="solid"/>
+                      <a:round/>
+                      <a:headEnd type="none" w="med" len="med"/>
+                      <a:tailEnd type="none" w="med" len="med"/>
+                    </a:lnB>
+                  </a:tcPr>
+                </a:tc>
+              </a:tr>
+              <a:tr h="370840">
+                <a:tc>
+                  <a:txBody>
+                    <a:bodyPr/>
+                    <a:lstStyle/>
+                    <a:p>
+                      <a:endParaRPr lang="en-US"/>
+                    </a:p>
+                  </a:txBody>
+                  <a:tcPr>
+                    <a:lnL w="12700" cap="flat" cmpd="sng" algn="ctr">
+                      <a:solidFill>
+                        <a:scrgbClr r="0" g="0" b="0"/>
+                      </a:solidFill>
+                      <a:prstDash val="solid"/>
+                      <a:round/>
+                      <a:headEnd type="none" w="med" len="med"/>
+                      <a:tailEnd type="none" w="med" len="med"/>
+                    </a:lnL>
+                    <a:lnR w="12700" cap="flat" cmpd="sng" algn="ctr">
+                      <a:solidFill>
+                        <a:scrgbClr r="0" g="0" b="0"/>
+                      </a:solidFill>
+                      <a:prstDash val="solid"/>
+                      <a:round/>
+                      <a:headEnd type="none" w="med" len="med"/>
+                      <a:tailEnd type="none" w="med" len="med"/>
+                    </a:lnR>
+                    <a:lnT w="12700" cap="flat" cmpd="sng" algn="ctr">
+                      <a:solidFill>
+                        <a:scrgbClr r="0" g="0" b="0"/>
+                      </a:solidFill>
+                      <a:prstDash val="solid"/>
+                      <a:round/>
+                      <a:headEnd type="none" w="med" len="med"/>
+                      <a:tailEnd type="none" w="med" len="med"/>
+                    </a:lnT>
+                    <a:lnB w="12700" cap="flat" cmpd="sng" algn="ctr">
+                      <a:solidFill>
+                        <a:scrgbClr r="0" g="0" b="0"/>
+                      </a:solidFill>
+                      <a:prstDash val="solid"/>
+                      <a:round/>
+                      <a:headEnd type="none" w="med" len="med"/>
+                      <a:tailEnd type="none" w="med" len="med"/>
+                    </a:lnB>
+                  </a:tcPr>
+                </a:tc>
+                <a:tc>
+                  <a:txBody>
+                    <a:bodyPr/>
+                    <a:lstStyle/>
+                    <a:p>
+                      <a:r>
+                        <a:rPr lang="en-US" dirty="0" smtClean="0"/>
+                        <a:t>0x0010F73C</a:t>
+                      </a:r>
+                      <a:endParaRPr lang="en-US" dirty="0"/>
+                    </a:p>
+                  </a:txBody>
+                  <a:tcPr>
+                    <a:lnL w="12700" cap="flat" cmpd="sng" algn="ctr">
+                      <a:solidFill>
+                        <a:scrgbClr r="0" g="0" b="0"/>
+                      </a:solidFill>
+                      <a:prstDash val="solid"/>
+                      <a:round/>
+                      <a:headEnd type="none" w="med" len="med"/>
+                      <a:tailEnd type="none" w="med" len="med"/>
+                    </a:lnL>
+                    <a:lnR w="12700" cap="flat" cmpd="sng" algn="ctr">
+                      <a:solidFill>
+                        <a:scrgbClr r="0" g="0" b="0"/>
+                      </a:solidFill>
+                      <a:prstDash val="solid"/>
+                      <a:round/>
+                      <a:headEnd type="none" w="med" len="med"/>
+                      <a:tailEnd type="none" w="med" len="med"/>
+                    </a:lnR>
+                    <a:lnT w="12700" cap="flat" cmpd="sng" algn="ctr">
+                      <a:solidFill>
+                        <a:scrgbClr r="0" g="0" b="0"/>
+                      </a:solidFill>
+                      <a:prstDash val="solid"/>
+                      <a:round/>
+                      <a:headEnd type="none" w="med" len="med"/>
+                      <a:tailEnd type="none" w="med" len="med"/>
+                    </a:lnT>
+                    <a:lnB w="12700" cap="flat" cmpd="sng" algn="ctr">
+                      <a:solidFill>
+                        <a:scrgbClr r="0" g="0" b="0"/>
+                      </a:solidFill>
+                      <a:prstDash val="solid"/>
+                      <a:round/>
+                      <a:headEnd type="none" w="med" len="med"/>
+                      <a:tailEnd type="none" w="med" len="med"/>
+                    </a:lnB>
+                  </a:tcPr>
+                </a:tc>
+                <a:tc>
+                  <a:txBody>
+                    <a:bodyPr/>
+                    <a:lstStyle/>
+                    <a:p>
+                      <a:r>
+                        <a:rPr lang="en-US" dirty="0" smtClean="0"/>
+                        <a:t>0x00000001 (1, this is easy)</a:t>
+                      </a:r>
+                      <a:endParaRPr lang="en-US" dirty="0"/>
+                    </a:p>
+                  </a:txBody>
+                  <a:tcPr>
+                    <a:lnL w="12700" cap="flat" cmpd="sng" algn="ctr">
+                      <a:solidFill>
+                        <a:scrgbClr r="0" g="0" b="0"/>
+                      </a:solidFill>
+                      <a:prstDash val="solid"/>
+                      <a:round/>
+                      <a:headEnd type="none" w="med" len="med"/>
+                      <a:tailEnd type="none" w="med" len="med"/>
+                    </a:lnL>
+                    <a:lnR w="12700" cap="flat" cmpd="sng" algn="ctr">
+                      <a:solidFill>
+                        <a:scrgbClr r="0" g="0" b="0"/>
+                      </a:solidFill>
+                      <a:prstDash val="solid"/>
+                      <a:round/>
+                      <a:headEnd type="none" w="med" len="med"/>
+                      <a:tailEnd type="none" w="med" len="med"/>
+                    </a:lnR>
+                    <a:lnT w="12700" cap="flat" cmpd="sng" algn="ctr">
+                      <a:solidFill>
+                        <a:scrgbClr r="0" g="0" b="0"/>
+                      </a:solidFill>
+                      <a:prstDash val="solid"/>
+                      <a:round/>
+                      <a:headEnd type="none" w="med" len="med"/>
+                      <a:tailEnd type="none" w="med" len="med"/>
+                    </a:lnT>
+                    <a:lnB w="12700" cap="flat" cmpd="sng" algn="ctr">
+                      <a:solidFill>
+                        <a:scrgbClr r="0" g="0" b="0"/>
+                      </a:solidFill>
+                      <a:prstDash val="solid"/>
+                      <a:round/>
+                      <a:headEnd type="none" w="med" len="med"/>
+                      <a:tailEnd type="none" w="med" len="med"/>
+                    </a:lnB>
+                  </a:tcPr>
+                </a:tc>
+              </a:tr>
+              <a:tr h="370840">
+                <a:tc>
+                  <a:txBody>
+                    <a:bodyPr/>
+                    <a:lstStyle/>
+                    <a:p>
+                      <a:endParaRPr lang="en-US" dirty="0"/>
+                    </a:p>
+                  </a:txBody>
+                  <a:tcPr>
+                    <a:lnL w="12700" cap="flat" cmpd="sng" algn="ctr">
+                      <a:solidFill>
+                        <a:scrgbClr r="0" g="0" b="0"/>
+                      </a:solidFill>
+                      <a:prstDash val="solid"/>
+                      <a:round/>
+                      <a:headEnd type="none" w="med" len="med"/>
+                      <a:tailEnd type="none" w="med" len="med"/>
+                    </a:lnL>
+                    <a:lnR w="12700" cap="flat" cmpd="sng" algn="ctr">
+                      <a:solidFill>
+                        <a:scrgbClr r="0" g="0" b="0"/>
+                      </a:solidFill>
+                      <a:prstDash val="solid"/>
+                      <a:round/>
+                      <a:headEnd type="none" w="med" len="med"/>
+                      <a:tailEnd type="none" w="med" len="med"/>
+                    </a:lnR>
+                    <a:lnT w="12700" cap="flat" cmpd="sng" algn="ctr">
+                      <a:solidFill>
+                        <a:scrgbClr r="0" g="0" b="0"/>
+                      </a:solidFill>
+                      <a:prstDash val="solid"/>
+                      <a:round/>
+                      <a:headEnd type="none" w="med" len="med"/>
+                      <a:tailEnd type="none" w="med" len="med"/>
+                    </a:lnT>
+                    <a:lnB w="12700" cap="flat" cmpd="sng" algn="ctr">
+                      <a:solidFill>
+                        <a:scrgbClr r="0" g="0" b="0"/>
+                      </a:solidFill>
+                      <a:prstDash val="solid"/>
+                      <a:round/>
+                      <a:headEnd type="none" w="med" len="med"/>
+                      <a:tailEnd type="none" w="med" len="med"/>
+                    </a:lnB>
+                  </a:tcPr>
+                </a:tc>
+                <a:tc>
+                  <a:txBody>
+                    <a:bodyPr/>
+                    <a:lstStyle/>
+                    <a:p>
+                      <a:r>
+                        <a:rPr lang="en-US" dirty="0" smtClean="0"/>
+                        <a:t>….</a:t>
+                      </a:r>
+                      <a:endParaRPr lang="en-US" dirty="0"/>
+                    </a:p>
+                  </a:txBody>
+                  <a:tcPr>
+                    <a:lnL w="12700" cap="flat" cmpd="sng" algn="ctr">
+                      <a:solidFill>
+                        <a:scrgbClr r="0" g="0" b="0"/>
+                      </a:solidFill>
+                      <a:prstDash val="solid"/>
+                      <a:round/>
+                      <a:headEnd type="none" w="med" len="med"/>
+                      <a:tailEnd type="none" w="med" len="med"/>
+                    </a:lnL>
+                    <a:lnR w="12700" cap="flat" cmpd="sng" algn="ctr">
+                      <a:solidFill>
+                        <a:scrgbClr r="0" g="0" b="0"/>
+                      </a:solidFill>
+                      <a:prstDash val="solid"/>
+                      <a:round/>
+                      <a:headEnd type="none" w="med" len="med"/>
+                      <a:tailEnd type="none" w="med" len="med"/>
+                    </a:lnR>
+                    <a:lnT w="12700" cap="flat" cmpd="sng" algn="ctr">
+                      <a:solidFill>
+                        <a:scrgbClr r="0" g="0" b="0"/>
+                      </a:solidFill>
+                      <a:prstDash val="solid"/>
+                      <a:round/>
+                      <a:headEnd type="none" w="med" len="med"/>
+                      <a:tailEnd type="none" w="med" len="med"/>
+                    </a:lnT>
+                    <a:lnB w="12700" cap="flat" cmpd="sng" algn="ctr">
+                      <a:solidFill>
+                        <a:scrgbClr r="0" g="0" b="0"/>
+                      </a:solidFill>
+                      <a:prstDash val="solid"/>
+                      <a:round/>
+                      <a:headEnd type="none" w="med" len="med"/>
+                      <a:tailEnd type="none" w="med" len="med"/>
+                    </a:lnB>
+                  </a:tcPr>
+                </a:tc>
+                <a:tc>
+                  <a:txBody>
+                    <a:bodyPr/>
+                    <a:lstStyle/>
+                    <a:p>
+                      <a:r>
+                        <a:rPr lang="en-US" dirty="0" smtClean="0"/>
+                        <a:t>…whatever</a:t>
+                      </a:r>
+                      <a:endParaRPr lang="en-US" dirty="0"/>
+                    </a:p>
+                  </a:txBody>
+                  <a:tcPr>
+                    <a:lnL w="12700" cap="flat" cmpd="sng" algn="ctr">
+                      <a:solidFill>
+                        <a:scrgbClr r="0" g="0" b="0"/>
+                      </a:solidFill>
+                      <a:prstDash val="solid"/>
+                      <a:round/>
+                      <a:headEnd type="none" w="med" len="med"/>
+                      <a:tailEnd type="none" w="med" len="med"/>
+                    </a:lnL>
+                    <a:lnR w="12700" cap="flat" cmpd="sng" algn="ctr">
+                      <a:solidFill>
+                        <a:scrgbClr r="0" g="0" b="0"/>
+                      </a:solidFill>
+                      <a:prstDash val="solid"/>
+                      <a:round/>
+                      <a:headEnd type="none" w="med" len="med"/>
+                      <a:tailEnd type="none" w="med" len="med"/>
+                    </a:lnR>
+                    <a:lnT w="12700" cap="flat" cmpd="sng" algn="ctr">
+                      <a:solidFill>
+                        <a:scrgbClr r="0" g="0" b="0"/>
+                      </a:solidFill>
+                      <a:prstDash val="solid"/>
+                      <a:round/>
+                      <a:headEnd type="none" w="med" len="med"/>
+                      <a:tailEnd type="none" w="med" len="med"/>
+                    </a:lnT>
+                    <a:lnB w="12700" cap="flat" cmpd="sng" algn="ctr">
+                      <a:solidFill>
+                        <a:scrgbClr r="0" g="0" b="0"/>
+                      </a:solidFill>
+                      <a:prstDash val="solid"/>
+                      <a:round/>
+                      <a:headEnd type="none" w="med" len="med"/>
+                      <a:tailEnd type="none" w="med" len="med"/>
+                    </a:lnB>
+                  </a:tcPr>
+                </a:tc>
+              </a:tr>
+            </a:tbl>
+          </a:graphicData>
+        </a:graphic>
+      </p:graphicFrame>
+      <p:sp>
+        <p:nvSpPr>
+          <p:cNvPr id="6" name="TextBox 5"/>
+          <p:cNvSpPr txBox="1"/>
+          <p:nvPr/>
+        </p:nvSpPr>
+        <p:spPr>
+          <a:xfrm>
+            <a:off x="457200" y="5528731"/>
+            <a:ext cx="7971573" cy="461665"/>
+          </a:xfrm>
+          <a:prstGeom prst="rect">
+            <a:avLst/>
+          </a:prstGeom>
+          <a:noFill/>
+        </p:spPr>
+        <p:txBody>
+          <a:bodyPr wrap="square" rtlCol="0">
+            <a:spAutoFit/>
+          </a:bodyPr>
+          <a:lstStyle/>
+          <a:p>
+            <a:pPr marL="285750" indent="-285750">
+              <a:buFont typeface="Arial"/>
+              <a:buChar char="•"/>
+            </a:pPr>
+            <a:r>
+              <a:rPr lang="en-US" sz="2400" dirty="0" smtClean="0"/>
+              <a:t>In practice, you might not know any of these addresses </a:t>
+            </a:r>
+            <a:endParaRPr lang="en-US" sz="2400" dirty="0"/>
+          </a:p>
+        </p:txBody>
+      </p:sp>
+    </p:spTree>
+    <p:extLst>
+      <p:ext uri="{BB962C8B-B14F-4D97-AF65-F5344CB8AC3E}">
+        <p14:creationId xmlns:p14="http://schemas.microsoft.com/office/powerpoint/2010/main" val="4052997314"/>
       </p:ext>
     </p:extLst>
   </p:cSld>

--- a/slides-2.pptx
+++ b/slides-2.pptx
@@ -4338,20 +4338,26 @@
               <a:t>/win32 </a:t>
             </a:r>
             <a:r>
+              <a:rPr lang="en-US" dirty="0" err="1" smtClean="0"/>
+              <a:t>api</a:t>
+            </a:r>
+            <a:r>
+              <a:rPr lang="en-US" dirty="0" smtClean="0"/>
+              <a:t> version hell</a:t>
+            </a:r>
+            <a:endParaRPr lang="en-US" dirty="0" smtClean="0"/>
+          </a:p>
+          <a:p>
+            <a:r>
+              <a:rPr lang="en-US" dirty="0" smtClean="0"/>
+              <a:t>Who cleans up the </a:t>
+            </a:r>
+            <a:r>
               <a:rPr lang="en-US" smtClean="0"/>
-              <a:t>api </a:t>
-            </a:r>
-            <a:r>
-              <a:rPr lang="en-US" dirty="0" smtClean="0"/>
-              <a:t>version hell</a:t>
-            </a:r>
-            <a:endParaRPr lang="en-US" dirty="0" smtClean="0"/>
-          </a:p>
-          <a:p>
-            <a:r>
-              <a:rPr lang="en-US" dirty="0" smtClean="0"/>
-              <a:t>Who cleans up the stack?</a:t>
-            </a:r>
+              <a:t>stack?</a:t>
+            </a:r>
+          </a:p>
+          <a:p>
             <a:endParaRPr lang="en-US" dirty="0"/>
           </a:p>
         </p:txBody>

--- a/slides-2.pptx
+++ b/slides-2.pptx
@@ -203,7 +203,7 @@
           <a:p>
             <a:fld id="{C0817B64-FD4B-2B48-9428-BCC0D7B39F45}" type="datetimeFigureOut">
               <a:rPr lang="en-US" smtClean="0"/>
-              <a:t>20/08/15</a:t>
+              <a:t>22/09/15</a:t>
             </a:fld>
             <a:endParaRPr lang="en-US"/>
           </a:p>
@@ -1144,7 +1144,7 @@
           <a:p>
             <a:fld id="{53116682-5982-1546-A736-06A0CD5A4D93}" type="datetimeFigureOut">
               <a:rPr lang="en-US" smtClean="0"/>
-              <a:t>20/08/15</a:t>
+              <a:t>22/09/15</a:t>
             </a:fld>
             <a:endParaRPr lang="en-US"/>
           </a:p>
@@ -1314,7 +1314,7 @@
           <a:p>
             <a:fld id="{53116682-5982-1546-A736-06A0CD5A4D93}" type="datetimeFigureOut">
               <a:rPr lang="en-US" smtClean="0"/>
-              <a:t>20/08/15</a:t>
+              <a:t>22/09/15</a:t>
             </a:fld>
             <a:endParaRPr lang="en-US"/>
           </a:p>
@@ -1494,7 +1494,7 @@
           <a:p>
             <a:fld id="{53116682-5982-1546-A736-06A0CD5A4D93}" type="datetimeFigureOut">
               <a:rPr lang="en-US" smtClean="0"/>
-              <a:t>20/08/15</a:t>
+              <a:t>22/09/15</a:t>
             </a:fld>
             <a:endParaRPr lang="en-US"/>
           </a:p>
@@ -1664,7 +1664,7 @@
           <a:p>
             <a:fld id="{53116682-5982-1546-A736-06A0CD5A4D93}" type="datetimeFigureOut">
               <a:rPr lang="en-US" smtClean="0"/>
-              <a:t>20/08/15</a:t>
+              <a:t>22/09/15</a:t>
             </a:fld>
             <a:endParaRPr lang="en-US"/>
           </a:p>
@@ -1910,7 +1910,7 @@
           <a:p>
             <a:fld id="{53116682-5982-1546-A736-06A0CD5A4D93}" type="datetimeFigureOut">
               <a:rPr lang="en-US" smtClean="0"/>
-              <a:t>20/08/15</a:t>
+              <a:t>22/09/15</a:t>
             </a:fld>
             <a:endParaRPr lang="en-US"/>
           </a:p>
@@ -2198,7 +2198,7 @@
           <a:p>
             <a:fld id="{53116682-5982-1546-A736-06A0CD5A4D93}" type="datetimeFigureOut">
               <a:rPr lang="en-US" smtClean="0"/>
-              <a:t>20/08/15</a:t>
+              <a:t>22/09/15</a:t>
             </a:fld>
             <a:endParaRPr lang="en-US"/>
           </a:p>
@@ -2620,7 +2620,7 @@
           <a:p>
             <a:fld id="{53116682-5982-1546-A736-06A0CD5A4D93}" type="datetimeFigureOut">
               <a:rPr lang="en-US" smtClean="0"/>
-              <a:t>20/08/15</a:t>
+              <a:t>22/09/15</a:t>
             </a:fld>
             <a:endParaRPr lang="en-US"/>
           </a:p>
@@ -2738,7 +2738,7 @@
           <a:p>
             <a:fld id="{53116682-5982-1546-A736-06A0CD5A4D93}" type="datetimeFigureOut">
               <a:rPr lang="en-US" smtClean="0"/>
-              <a:t>20/08/15</a:t>
+              <a:t>22/09/15</a:t>
             </a:fld>
             <a:endParaRPr lang="en-US"/>
           </a:p>
@@ -2833,7 +2833,7 @@
           <a:p>
             <a:fld id="{53116682-5982-1546-A736-06A0CD5A4D93}" type="datetimeFigureOut">
               <a:rPr lang="en-US" smtClean="0"/>
-              <a:t>20/08/15</a:t>
+              <a:t>22/09/15</a:t>
             </a:fld>
             <a:endParaRPr lang="en-US"/>
           </a:p>
@@ -3110,7 +3110,7 @@
           <a:p>
             <a:fld id="{53116682-5982-1546-A736-06A0CD5A4D93}" type="datetimeFigureOut">
               <a:rPr lang="en-US" smtClean="0"/>
-              <a:t>20/08/15</a:t>
+              <a:t>22/09/15</a:t>
             </a:fld>
             <a:endParaRPr lang="en-US"/>
           </a:p>
@@ -3363,7 +3363,7 @@
           <a:p>
             <a:fld id="{53116682-5982-1546-A736-06A0CD5A4D93}" type="datetimeFigureOut">
               <a:rPr lang="en-US" smtClean="0"/>
-              <a:t>20/08/15</a:t>
+              <a:t>22/09/15</a:t>
             </a:fld>
             <a:endParaRPr lang="en-US"/>
           </a:p>
@@ -3576,7 +3576,7 @@
           <a:p>
             <a:fld id="{53116682-5982-1546-A736-06A0CD5A4D93}" type="datetimeFigureOut">
               <a:rPr lang="en-US" smtClean="0"/>
-              <a:t>20/08/15</a:t>
+              <a:t>22/09/15</a:t>
             </a:fld>
             <a:endParaRPr lang="en-US"/>
           </a:p>
@@ -3991,19 +3991,11 @@
           <a:p>
             <a:r>
               <a:rPr lang="en-US" dirty="0" smtClean="0"/>
-              <a:t>Part </a:t>
-            </a:r>
-            <a:r>
-              <a:rPr lang="en-US" dirty="0" smtClean="0"/>
-              <a:t>2 </a:t>
-            </a:r>
-            <a:r>
-              <a:rPr lang="en-US" dirty="0" smtClean="0"/>
-              <a:t>– </a:t>
-            </a:r>
-            <a:r>
-              <a:rPr lang="en-US" dirty="0" smtClean="0"/>
-              <a:t>Dealing with NX and ASLR</a:t>
+              <a:t>Defeating NX </a:t>
+            </a:r>
+            <a:r>
+              <a:rPr lang="en-US" dirty="0" smtClean="0"/>
+              <a:t>and ASLR</a:t>
             </a:r>
             <a:endParaRPr lang="en-US" dirty="0"/>
           </a:p>
@@ -4345,7 +4337,6 @@
               <a:rPr lang="en-US" dirty="0" smtClean="0"/>
               <a:t> version hell</a:t>
             </a:r>
-            <a:endParaRPr lang="en-US" dirty="0" smtClean="0"/>
           </a:p>
           <a:p>
             <a:r>
@@ -7015,11 +7006,7 @@
                     <a:p>
                       <a:r>
                         <a:rPr lang="en-US" dirty="0" smtClean="0"/>
-                        <a:t>0x0010f630</a:t>
-                      </a:r>
-                      <a:r>
-                        <a:rPr lang="en-US" dirty="0" smtClean="0"/>
-                        <a:t>(address of </a:t>
+                        <a:t>0x0010f630(address of </a:t>
                       </a:r>
                       <a:r>
                         <a:rPr lang="en-US" baseline="0" dirty="0" err="1" smtClean="0"/>

--- a/slides-2.pptx
+++ b/slides-2.pptx
@@ -203,7 +203,7 @@
           <a:p>
             <a:fld id="{C0817B64-FD4B-2B48-9428-BCC0D7B39F45}" type="datetimeFigureOut">
               <a:rPr lang="en-US" smtClean="0"/>
-              <a:t>22/09/15</a:t>
+              <a:t>24/10/15</a:t>
             </a:fld>
             <a:endParaRPr lang="en-US"/>
           </a:p>
@@ -1144,7 +1144,7 @@
           <a:p>
             <a:fld id="{53116682-5982-1546-A736-06A0CD5A4D93}" type="datetimeFigureOut">
               <a:rPr lang="en-US" smtClean="0"/>
-              <a:t>22/09/15</a:t>
+              <a:t>24/10/15</a:t>
             </a:fld>
             <a:endParaRPr lang="en-US"/>
           </a:p>
@@ -1314,7 +1314,7 @@
           <a:p>
             <a:fld id="{53116682-5982-1546-A736-06A0CD5A4D93}" type="datetimeFigureOut">
               <a:rPr lang="en-US" smtClean="0"/>
-              <a:t>22/09/15</a:t>
+              <a:t>24/10/15</a:t>
             </a:fld>
             <a:endParaRPr lang="en-US"/>
           </a:p>
@@ -1494,7 +1494,7 @@
           <a:p>
             <a:fld id="{53116682-5982-1546-A736-06A0CD5A4D93}" type="datetimeFigureOut">
               <a:rPr lang="en-US" smtClean="0"/>
-              <a:t>22/09/15</a:t>
+              <a:t>24/10/15</a:t>
             </a:fld>
             <a:endParaRPr lang="en-US"/>
           </a:p>
@@ -1664,7 +1664,7 @@
           <a:p>
             <a:fld id="{53116682-5982-1546-A736-06A0CD5A4D93}" type="datetimeFigureOut">
               <a:rPr lang="en-US" smtClean="0"/>
-              <a:t>22/09/15</a:t>
+              <a:t>24/10/15</a:t>
             </a:fld>
             <a:endParaRPr lang="en-US"/>
           </a:p>
@@ -1910,7 +1910,7 @@
           <a:p>
             <a:fld id="{53116682-5982-1546-A736-06A0CD5A4D93}" type="datetimeFigureOut">
               <a:rPr lang="en-US" smtClean="0"/>
-              <a:t>22/09/15</a:t>
+              <a:t>24/10/15</a:t>
             </a:fld>
             <a:endParaRPr lang="en-US"/>
           </a:p>
@@ -2198,7 +2198,7 @@
           <a:p>
             <a:fld id="{53116682-5982-1546-A736-06A0CD5A4D93}" type="datetimeFigureOut">
               <a:rPr lang="en-US" smtClean="0"/>
-              <a:t>22/09/15</a:t>
+              <a:t>24/10/15</a:t>
             </a:fld>
             <a:endParaRPr lang="en-US"/>
           </a:p>
@@ -2620,7 +2620,7 @@
           <a:p>
             <a:fld id="{53116682-5982-1546-A736-06A0CD5A4D93}" type="datetimeFigureOut">
               <a:rPr lang="en-US" smtClean="0"/>
-              <a:t>22/09/15</a:t>
+              <a:t>24/10/15</a:t>
             </a:fld>
             <a:endParaRPr lang="en-US"/>
           </a:p>
@@ -2738,7 +2738,7 @@
           <a:p>
             <a:fld id="{53116682-5982-1546-A736-06A0CD5A4D93}" type="datetimeFigureOut">
               <a:rPr lang="en-US" smtClean="0"/>
-              <a:t>22/09/15</a:t>
+              <a:t>24/10/15</a:t>
             </a:fld>
             <a:endParaRPr lang="en-US"/>
           </a:p>
@@ -2833,7 +2833,7 @@
           <a:p>
             <a:fld id="{53116682-5982-1546-A736-06A0CD5A4D93}" type="datetimeFigureOut">
               <a:rPr lang="en-US" smtClean="0"/>
-              <a:t>22/09/15</a:t>
+              <a:t>24/10/15</a:t>
             </a:fld>
             <a:endParaRPr lang="en-US"/>
           </a:p>
@@ -3110,7 +3110,7 @@
           <a:p>
             <a:fld id="{53116682-5982-1546-A736-06A0CD5A4D93}" type="datetimeFigureOut">
               <a:rPr lang="en-US" smtClean="0"/>
-              <a:t>22/09/15</a:t>
+              <a:t>24/10/15</a:t>
             </a:fld>
             <a:endParaRPr lang="en-US"/>
           </a:p>
@@ -3363,7 +3363,7 @@
           <a:p>
             <a:fld id="{53116682-5982-1546-A736-06A0CD5A4D93}" type="datetimeFigureOut">
               <a:rPr lang="en-US" smtClean="0"/>
-              <a:t>22/09/15</a:t>
+              <a:t>24/10/15</a:t>
             </a:fld>
             <a:endParaRPr lang="en-US"/>
           </a:p>
@@ -3576,7 +3576,7 @@
           <a:p>
             <a:fld id="{53116682-5982-1546-A736-06A0CD5A4D93}" type="datetimeFigureOut">
               <a:rPr lang="en-US" smtClean="0"/>
-              <a:t>22/09/15</a:t>
+              <a:t>24/10/15</a:t>
             </a:fld>
             <a:endParaRPr lang="en-US"/>
           </a:p>
@@ -3991,11 +3991,7 @@
           <a:p>
             <a:r>
               <a:rPr lang="en-US" dirty="0" smtClean="0"/>
-              <a:t>Defeating NX </a:t>
-            </a:r>
-            <a:r>
-              <a:rPr lang="en-US" dirty="0" smtClean="0"/>
-              <a:t>and ASLR</a:t>
+              <a:t>Defeating NX and ASLR</a:t>
             </a:r>
             <a:endParaRPr lang="en-US" dirty="0"/>
           </a:p>
@@ -4086,8 +4082,9 @@
             <a:pPr lvl="1"/>
             <a:r>
               <a:rPr lang="en-US" dirty="0" smtClean="0"/>
-              <a:t>Use system libraries, bypass ASLR on specific libs</a:t>
-            </a:r>
+              <a:t>Call system libraries in ROP payload, bypass ASLR</a:t>
+            </a:r>
+            <a:endParaRPr lang="en-US" dirty="0" smtClean="0"/>
           </a:p>
           <a:p>
             <a:pPr lvl="1"/>
@@ -4335,19 +4332,67 @@
             </a:r>
             <a:r>
               <a:rPr lang="en-US" dirty="0" smtClean="0"/>
-              <a:t> version hell</a:t>
-            </a:r>
-          </a:p>
-          <a:p>
+              <a:t> </a:t>
+            </a:r>
             <a:r>
               <a:rPr lang="en-US" dirty="0" smtClean="0"/>
-              <a:t>Who cleans up the </a:t>
-            </a:r>
-            <a:r>
-              <a:rPr lang="en-US" smtClean="0"/>
-              <a:t>stack?</a:t>
-            </a:r>
-          </a:p>
+              <a:t>versions hell</a:t>
+            </a:r>
+          </a:p>
+          <a:p>
+            <a:pPr lvl="1"/>
+            <a:r>
+              <a:rPr lang="en-US" dirty="0">
+                <a:hlinkClick r:id="rId3"/>
+              </a:rPr>
+              <a:t>https://community.rapid7.com/community/</a:t>
+            </a:r>
+            <a:r>
+              <a:rPr lang="en-US" dirty="0" err="1">
+                <a:hlinkClick r:id="rId3"/>
+              </a:rPr>
+              <a:t>metasploit</a:t>
+            </a:r>
+            <a:r>
+              <a:rPr lang="en-US" dirty="0">
+                <a:hlinkClick r:id="rId3"/>
+              </a:rPr>
+              <a:t>/blog/2012/10/03/defeat-the-hard-and-strong-with-the-soft-and-gentle-metasploit-ropdb</a:t>
+            </a:r>
+            <a:endParaRPr lang="en-US" dirty="0" smtClean="0"/>
+          </a:p>
+          <a:p>
+            <a:r>
+              <a:rPr lang="en-US" dirty="0" smtClean="0"/>
+              <a:t>Who cleans up the stack?</a:t>
+            </a:r>
+          </a:p>
+          <a:p>
+            <a:endParaRPr lang="en-US" dirty="0"/>
+          </a:p>
+        </p:txBody>
+      </p:sp>
+      <p:sp>
+        <p:nvSpPr>
+          <p:cNvPr id="4" name="TextBox 3"/>
+          <p:cNvSpPr txBox="1"/>
+          <p:nvPr/>
+        </p:nvSpPr>
+        <p:spPr>
+          <a:xfrm>
+            <a:off x="5546690" y="2025451"/>
+            <a:ext cx="184666" cy="369332"/>
+          </a:xfrm>
+          <a:prstGeom prst="rect">
+            <a:avLst/>
+          </a:prstGeom>
+          <a:noFill/>
+        </p:spPr>
+        <p:txBody>
+          <a:bodyPr wrap="none" rtlCol="0">
+            <a:spAutoFit/>
+          </a:bodyPr>
+          <a:lstStyle/>
           <a:p>
             <a:endParaRPr lang="en-US" dirty="0"/>
           </a:p>
@@ -4441,7 +4486,7 @@
         </p:spPr>
         <p:txBody>
           <a:bodyPr>
-            <a:normAutofit fontScale="92500" lnSpcReduction="10000"/>
+            <a:normAutofit lnSpcReduction="10000"/>
           </a:bodyPr>
           <a:lstStyle/>
           <a:p>
@@ -4456,7 +4501,7 @@
           <a:p>
             <a:r>
               <a:rPr lang="en-US" dirty="0" smtClean="0"/>
-              <a:t>DEP</a:t>
+              <a:t>NX/DEP</a:t>
             </a:r>
             <a:endParaRPr lang="en-US" dirty="0"/>
           </a:p>
@@ -4509,13 +4554,6 @@
               <a:rPr lang="en-US" dirty="0" smtClean="0"/>
               <a:t>?</a:t>
             </a:r>
-          </a:p>
-          <a:p>
-            <a:r>
-              <a:rPr lang="en-US" dirty="0" smtClean="0"/>
-              <a:t>The answer to all your problems</a:t>
-            </a:r>
-            <a:endParaRPr lang="en-US" dirty="0"/>
           </a:p>
           <a:p>
             <a:endParaRPr lang="en-US" dirty="0" smtClean="0"/>
@@ -4595,13 +4633,11 @@
           <a:p>
             <a:r>
               <a:rPr lang="en-US" dirty="0" smtClean="0"/>
-              <a:t>Program segments/sections, modes</a:t>
-            </a:r>
-          </a:p>
-          <a:p>
+              <a:t>Stack </a:t>
+            </a:r>
             <a:r>
               <a:rPr lang="en-US" dirty="0" smtClean="0"/>
-              <a:t>Stack is not executable</a:t>
+              <a:t>is not executable</a:t>
             </a:r>
           </a:p>
           <a:p>
@@ -4622,28 +4658,6 @@
             <a:r>
               <a:rPr lang="en-US" dirty="0" smtClean="0"/>
               <a:t>”), .text</a:t>
-            </a:r>
-          </a:p>
-          <a:p>
-            <a:r>
-              <a:rPr lang="en-US" dirty="0" smtClean="0"/>
-              <a:t>not just “</a:t>
-            </a:r>
-            <a:r>
-              <a:rPr lang="en-US" dirty="0" err="1" smtClean="0"/>
-              <a:t>jmp</a:t>
-            </a:r>
-            <a:r>
-              <a:rPr lang="en-US" dirty="0" smtClean="0"/>
-              <a:t> </a:t>
-            </a:r>
-            <a:r>
-              <a:rPr lang="en-US" dirty="0" err="1" smtClean="0"/>
-              <a:t>esp</a:t>
-            </a:r>
-            <a:r>
-              <a:rPr lang="en-US" dirty="0" smtClean="0"/>
-              <a:t>”</a:t>
             </a:r>
           </a:p>
           <a:p>

--- a/slides-2.pptx
+++ b/slides-2.pptx
@@ -4367,32 +4367,6 @@
               <a:t>Who cleans up the stack?</a:t>
             </a:r>
           </a:p>
-          <a:p>
-            <a:endParaRPr lang="en-US" dirty="0"/>
-          </a:p>
-        </p:txBody>
-      </p:sp>
-      <p:sp>
-        <p:nvSpPr>
-          <p:cNvPr id="4" name="TextBox 3"/>
-          <p:cNvSpPr txBox="1"/>
-          <p:nvPr/>
-        </p:nvSpPr>
-        <p:spPr>
-          <a:xfrm>
-            <a:off x="5546690" y="2025451"/>
-            <a:ext cx="184666" cy="369332"/>
-          </a:xfrm>
-          <a:prstGeom prst="rect">
-            <a:avLst/>
-          </a:prstGeom>
-          <a:noFill/>
-        </p:spPr>
-        <p:txBody>
-          <a:bodyPr wrap="none" rtlCol="0">
-            <a:spAutoFit/>
-          </a:bodyPr>
-          <a:lstStyle/>
           <a:p>
             <a:endParaRPr lang="en-US" dirty="0"/>
           </a:p>
